--- a/S5_Session5.pptx
+++ b/S5_Session5.pptx
@@ -5,7 +5,7 @@
     <p:sldMasterId id="2147483648" r:id="rId1"/>
   </p:sldMasterIdLst>
   <p:notesMasterIdLst>
-    <p:notesMasterId r:id="rId8"/>
+    <p:notesMasterId r:id="rId11"/>
   </p:notesMasterIdLst>
   <p:sldIdLst>
     <p:sldId id="266" r:id="rId2"/>
@@ -14,6 +14,9 @@
     <p:sldId id="275" r:id="rId5"/>
     <p:sldId id="276" r:id="rId6"/>
     <p:sldId id="277" r:id="rId7"/>
+    <p:sldId id="278" r:id="rId8"/>
+    <p:sldId id="279" r:id="rId9"/>
+    <p:sldId id="280" r:id="rId10"/>
   </p:sldIdLst>
   <p:sldSz cx="12192000" cy="6858000"/>
   <p:notesSz cx="6858000" cy="9144000"/>
@@ -3902,8 +3905,8 @@
         </p:nvSpPr>
         <p:spPr>
           <a:xfrm>
-            <a:off x="1274286" y="1092840"/>
-            <a:ext cx="8916316" cy="1295868"/>
+            <a:off x="1304006" y="897000"/>
+            <a:ext cx="8916316" cy="1711366"/>
           </a:xfrm>
           <a:prstGeom prst="rect">
             <a:avLst/>
@@ -3924,6 +3927,17 @@
             <a:r>
               <a:rPr lang="en-US" dirty="0"/>
               <a:t>The purpose of clustering is to cluster data into k clusters.</a:t>
+            </a:r>
+          </a:p>
+          <a:p>
+            <a:pPr>
+              <a:lnSpc>
+                <a:spcPct val="150000"/>
+              </a:lnSpc>
+            </a:pPr>
+            <a:r>
+              <a:rPr lang="en-US" sz="1800" b="1" dirty="0"/>
+              <a:t>K means clustering</a:t>
             </a:r>
           </a:p>
           <a:p>
@@ -14662,7 +14676,7 @@
         </p:nvSpPr>
         <p:spPr>
           <a:xfrm>
-            <a:off x="1285153" y="811079"/>
+            <a:off x="1230554" y="689746"/>
             <a:ext cx="8916316" cy="464871"/>
           </a:xfrm>
           <a:prstGeom prst="rect">
@@ -14723,13 +14737,8 @@
             </a:pPr>
             <a:r>
               <a:rPr lang="en-US" dirty="0"/>
-              <a:t>Repeat the distance calculation and clustering steps until clusters don’t change any more. At this point we say the algorithm converged and our expectation </a:t>
+              <a:t>Repeat the distance calculation and clustering steps until clusters don’t change any more. At this point we say the algorithm converged and our expectation is maximized.</a:t>
             </a:r>
-            <a:r>
-              <a:rPr lang="en-US"/>
-              <a:t>is maximized.</a:t>
-            </a:r>
-            <a:endParaRPr lang="en-US" dirty="0"/>
           </a:p>
         </p:txBody>
       </p:sp>
@@ -14737,6 +14746,3252 @@
     <p:extLst>
       <p:ext uri="{BB962C8B-B14F-4D97-AF65-F5344CB8AC3E}">
         <p14:creationId xmlns:p14="http://schemas.microsoft.com/office/powerpoint/2010/main" val="2045640970"/>
+      </p:ext>
+    </p:extLst>
+  </p:cSld>
+  <p:clrMapOvr>
+    <a:masterClrMapping/>
+  </p:clrMapOvr>
+</p:sld>
+</file>
+
+<file path=ppt/slides/slide7.xml><?xml version="1.0" encoding="utf-8"?>
+<p:sld xmlns:a="http://schemas.openxmlformats.org/drawingml/2006/main" xmlns:r="http://schemas.openxmlformats.org/officeDocument/2006/relationships" xmlns:p="http://schemas.openxmlformats.org/presentationml/2006/main">
+  <p:cSld>
+    <p:spTree>
+      <p:nvGrpSpPr>
+        <p:cNvPr id="1" name=""/>
+        <p:cNvGrpSpPr/>
+        <p:nvPr/>
+      </p:nvGrpSpPr>
+      <p:grpSpPr>
+        <a:xfrm>
+          <a:off x="0" y="0"/>
+          <a:ext cx="0" cy="0"/>
+          <a:chOff x="0" y="0"/>
+          <a:chExt cx="0" cy="0"/>
+        </a:xfrm>
+      </p:grpSpPr>
+      <p:sp>
+        <p:nvSpPr>
+          <p:cNvPr id="2" name="TextBox 1">
+            <a:extLst>
+              <a:ext uri="{FF2B5EF4-FFF2-40B4-BE49-F238E27FC236}">
+                <a16:creationId xmlns:a16="http://schemas.microsoft.com/office/drawing/2014/main" id="{738ACA54-D23B-4CA2-8237-C72A23268198}"/>
+              </a:ext>
+            </a:extLst>
+          </p:cNvPr>
+          <p:cNvSpPr txBox="1"/>
+          <p:nvPr/>
+        </p:nvSpPr>
+        <p:spPr>
+          <a:xfrm>
+            <a:off x="1304005" y="897000"/>
+            <a:ext cx="9159747" cy="1711366"/>
+          </a:xfrm>
+          <a:prstGeom prst="rect">
+            <a:avLst/>
+          </a:prstGeom>
+          <a:noFill/>
+        </p:spPr>
+        <p:txBody>
+          <a:bodyPr wrap="square" rtlCol="0">
+            <a:spAutoFit/>
+          </a:bodyPr>
+          <a:lstStyle/>
+          <a:p>
+            <a:pPr>
+              <a:lnSpc>
+                <a:spcPct val="150000"/>
+              </a:lnSpc>
+            </a:pPr>
+            <a:r>
+              <a:rPr lang="en-US" sz="1800" b="1" dirty="0"/>
+              <a:t>Principal Component Analysis</a:t>
+            </a:r>
+          </a:p>
+          <a:p>
+            <a:pPr>
+              <a:lnSpc>
+                <a:spcPct val="150000"/>
+              </a:lnSpc>
+            </a:pPr>
+            <a:r>
+              <a:rPr lang="en-US" sz="1800" dirty="0"/>
+              <a:t>We use it for dimension reduction</a:t>
+            </a:r>
+          </a:p>
+          <a:p>
+            <a:pPr>
+              <a:lnSpc>
+                <a:spcPct val="150000"/>
+              </a:lnSpc>
+            </a:pPr>
+            <a:r>
+              <a:rPr lang="en-US" dirty="0"/>
+              <a:t>In simple words, we want to find the direction in our dataset, where the maximum variance is. Don’t mistake it with linear regression!</a:t>
+            </a:r>
+          </a:p>
+        </p:txBody>
+      </p:sp>
+      <p:cxnSp>
+        <p:nvCxnSpPr>
+          <p:cNvPr id="4" name="Straight Arrow Connector 3">
+            <a:extLst>
+              <a:ext uri="{FF2B5EF4-FFF2-40B4-BE49-F238E27FC236}">
+                <a16:creationId xmlns:a16="http://schemas.microsoft.com/office/drawing/2014/main" id="{BE6ECB3F-9D34-47AB-9A9F-A6658153466E}"/>
+              </a:ext>
+            </a:extLst>
+          </p:cNvPr>
+          <p:cNvCxnSpPr>
+            <a:cxnSpLocks/>
+          </p:cNvCxnSpPr>
+          <p:nvPr/>
+        </p:nvCxnSpPr>
+        <p:spPr>
+          <a:xfrm>
+            <a:off x="4309716" y="6112095"/>
+            <a:ext cx="4500000" cy="0"/>
+          </a:xfrm>
+          <a:prstGeom prst="straightConnector1">
+            <a:avLst/>
+          </a:prstGeom>
+          <a:ln w="38100">
+            <a:tailEnd type="triangle"/>
+          </a:ln>
+        </p:spPr>
+        <p:style>
+          <a:lnRef idx="3">
+            <a:schemeClr val="dk1"/>
+          </a:lnRef>
+          <a:fillRef idx="0">
+            <a:schemeClr val="dk1"/>
+          </a:fillRef>
+          <a:effectRef idx="2">
+            <a:schemeClr val="dk1"/>
+          </a:effectRef>
+          <a:fontRef idx="minor">
+            <a:schemeClr val="tx1"/>
+          </a:fontRef>
+        </p:style>
+      </p:cxnSp>
+      <p:cxnSp>
+        <p:nvCxnSpPr>
+          <p:cNvPr id="5" name="Straight Arrow Connector 4">
+            <a:extLst>
+              <a:ext uri="{FF2B5EF4-FFF2-40B4-BE49-F238E27FC236}">
+                <a16:creationId xmlns:a16="http://schemas.microsoft.com/office/drawing/2014/main" id="{87AB7106-CDA8-4FAA-AD6E-2F2B7AB9DC10}"/>
+              </a:ext>
+            </a:extLst>
+          </p:cNvPr>
+          <p:cNvCxnSpPr>
+            <a:cxnSpLocks/>
+          </p:cNvCxnSpPr>
+          <p:nvPr/>
+        </p:nvCxnSpPr>
+        <p:spPr>
+          <a:xfrm rot="16200000">
+            <a:off x="2798795" y="4582095"/>
+            <a:ext cx="3060000" cy="0"/>
+          </a:xfrm>
+          <a:prstGeom prst="straightConnector1">
+            <a:avLst/>
+          </a:prstGeom>
+          <a:ln w="38100">
+            <a:tailEnd type="triangle"/>
+          </a:ln>
+        </p:spPr>
+        <p:style>
+          <a:lnRef idx="3">
+            <a:schemeClr val="dk1"/>
+          </a:lnRef>
+          <a:fillRef idx="0">
+            <a:schemeClr val="dk1"/>
+          </a:fillRef>
+          <a:effectRef idx="2">
+            <a:schemeClr val="dk1"/>
+          </a:effectRef>
+          <a:fontRef idx="minor">
+            <a:schemeClr val="tx1"/>
+          </a:fontRef>
+        </p:style>
+      </p:cxnSp>
+      <p:sp>
+        <p:nvSpPr>
+          <p:cNvPr id="7" name="Multiplication Sign 6">
+            <a:extLst>
+              <a:ext uri="{FF2B5EF4-FFF2-40B4-BE49-F238E27FC236}">
+                <a16:creationId xmlns:a16="http://schemas.microsoft.com/office/drawing/2014/main" id="{943ABC6D-13ED-41A2-8278-FDF634EEF7D8}"/>
+              </a:ext>
+            </a:extLst>
+          </p:cNvPr>
+          <p:cNvSpPr/>
+          <p:nvPr/>
+        </p:nvSpPr>
+        <p:spPr>
+          <a:xfrm>
+            <a:off x="5783462" y="5355072"/>
+            <a:ext cx="216000" cy="216812"/>
+          </a:xfrm>
+          <a:prstGeom prst="mathMultiply">
+            <a:avLst/>
+          </a:prstGeom>
+          <a:solidFill>
+            <a:schemeClr val="tx1"/>
+          </a:solidFill>
+          <a:ln>
+            <a:solidFill>
+              <a:schemeClr val="tx1"/>
+            </a:solidFill>
+          </a:ln>
+        </p:spPr>
+        <p:style>
+          <a:lnRef idx="2">
+            <a:schemeClr val="accent1">
+              <a:shade val="50000"/>
+            </a:schemeClr>
+          </a:lnRef>
+          <a:fillRef idx="1">
+            <a:schemeClr val="accent1"/>
+          </a:fillRef>
+          <a:effectRef idx="0">
+            <a:schemeClr val="accent1"/>
+          </a:effectRef>
+          <a:fontRef idx="minor">
+            <a:schemeClr val="lt1"/>
+          </a:fontRef>
+        </p:style>
+        <p:txBody>
+          <a:bodyPr rtlCol="0" anchor="ctr"/>
+          <a:lstStyle/>
+          <a:p>
+            <a:pPr algn="ctr"/>
+            <a:endParaRPr lang="LID4096"/>
+          </a:p>
+        </p:txBody>
+      </p:sp>
+      <p:sp>
+        <p:nvSpPr>
+          <p:cNvPr id="8" name="Multiplication Sign 7">
+            <a:extLst>
+              <a:ext uri="{FF2B5EF4-FFF2-40B4-BE49-F238E27FC236}">
+                <a16:creationId xmlns:a16="http://schemas.microsoft.com/office/drawing/2014/main" id="{73DD1694-9F81-418C-8920-D842F3890FAC}"/>
+              </a:ext>
+            </a:extLst>
+          </p:cNvPr>
+          <p:cNvSpPr/>
+          <p:nvPr/>
+        </p:nvSpPr>
+        <p:spPr>
+          <a:xfrm>
+            <a:off x="5915437" y="4855458"/>
+            <a:ext cx="216000" cy="216812"/>
+          </a:xfrm>
+          <a:prstGeom prst="mathMultiply">
+            <a:avLst/>
+          </a:prstGeom>
+          <a:solidFill>
+            <a:schemeClr val="tx1"/>
+          </a:solidFill>
+          <a:ln>
+            <a:solidFill>
+              <a:schemeClr val="tx1"/>
+            </a:solidFill>
+          </a:ln>
+        </p:spPr>
+        <p:style>
+          <a:lnRef idx="2">
+            <a:schemeClr val="accent1">
+              <a:shade val="50000"/>
+            </a:schemeClr>
+          </a:lnRef>
+          <a:fillRef idx="1">
+            <a:schemeClr val="accent1"/>
+          </a:fillRef>
+          <a:effectRef idx="0">
+            <a:schemeClr val="accent1"/>
+          </a:effectRef>
+          <a:fontRef idx="minor">
+            <a:schemeClr val="lt1"/>
+          </a:fontRef>
+        </p:style>
+        <p:txBody>
+          <a:bodyPr rtlCol="0" anchor="ctr"/>
+          <a:lstStyle/>
+          <a:p>
+            <a:pPr algn="ctr"/>
+            <a:endParaRPr lang="LID4096"/>
+          </a:p>
+        </p:txBody>
+      </p:sp>
+      <p:sp>
+        <p:nvSpPr>
+          <p:cNvPr id="9" name="Multiplication Sign 8">
+            <a:extLst>
+              <a:ext uri="{FF2B5EF4-FFF2-40B4-BE49-F238E27FC236}">
+                <a16:creationId xmlns:a16="http://schemas.microsoft.com/office/drawing/2014/main" id="{A0EA9BFE-2546-402F-8640-5B23559C5414}"/>
+              </a:ext>
+            </a:extLst>
+          </p:cNvPr>
+          <p:cNvSpPr/>
+          <p:nvPr/>
+        </p:nvSpPr>
+        <p:spPr>
+          <a:xfrm>
+            <a:off x="5346625" y="4981144"/>
+            <a:ext cx="216000" cy="216812"/>
+          </a:xfrm>
+          <a:prstGeom prst="mathMultiply">
+            <a:avLst/>
+          </a:prstGeom>
+          <a:solidFill>
+            <a:schemeClr val="tx1"/>
+          </a:solidFill>
+          <a:ln>
+            <a:solidFill>
+              <a:schemeClr val="tx1"/>
+            </a:solidFill>
+          </a:ln>
+        </p:spPr>
+        <p:style>
+          <a:lnRef idx="2">
+            <a:schemeClr val="accent1">
+              <a:shade val="50000"/>
+            </a:schemeClr>
+          </a:lnRef>
+          <a:fillRef idx="1">
+            <a:schemeClr val="accent1"/>
+          </a:fillRef>
+          <a:effectRef idx="0">
+            <a:schemeClr val="accent1"/>
+          </a:effectRef>
+          <a:fontRef idx="minor">
+            <a:schemeClr val="lt1"/>
+          </a:fontRef>
+        </p:style>
+        <p:txBody>
+          <a:bodyPr rtlCol="0" anchor="ctr"/>
+          <a:lstStyle/>
+          <a:p>
+            <a:pPr algn="ctr"/>
+            <a:endParaRPr lang="LID4096"/>
+          </a:p>
+        </p:txBody>
+      </p:sp>
+      <p:sp>
+        <p:nvSpPr>
+          <p:cNvPr id="10" name="Multiplication Sign 9">
+            <a:extLst>
+              <a:ext uri="{FF2B5EF4-FFF2-40B4-BE49-F238E27FC236}">
+                <a16:creationId xmlns:a16="http://schemas.microsoft.com/office/drawing/2014/main" id="{8890BFF8-3E58-499D-B91E-15B1CADA2668}"/>
+              </a:ext>
+            </a:extLst>
+          </p:cNvPr>
+          <p:cNvSpPr/>
+          <p:nvPr/>
+        </p:nvSpPr>
+        <p:spPr>
+          <a:xfrm>
+            <a:off x="6131437" y="5138260"/>
+            <a:ext cx="216000" cy="216812"/>
+          </a:xfrm>
+          <a:prstGeom prst="mathMultiply">
+            <a:avLst/>
+          </a:prstGeom>
+          <a:solidFill>
+            <a:schemeClr val="tx1"/>
+          </a:solidFill>
+          <a:ln>
+            <a:solidFill>
+              <a:schemeClr val="tx1"/>
+            </a:solidFill>
+          </a:ln>
+        </p:spPr>
+        <p:style>
+          <a:lnRef idx="2">
+            <a:schemeClr val="accent1">
+              <a:shade val="50000"/>
+            </a:schemeClr>
+          </a:lnRef>
+          <a:fillRef idx="1">
+            <a:schemeClr val="accent1"/>
+          </a:fillRef>
+          <a:effectRef idx="0">
+            <a:schemeClr val="accent1"/>
+          </a:effectRef>
+          <a:fontRef idx="minor">
+            <a:schemeClr val="lt1"/>
+          </a:fontRef>
+        </p:style>
+        <p:txBody>
+          <a:bodyPr rtlCol="0" anchor="ctr"/>
+          <a:lstStyle/>
+          <a:p>
+            <a:pPr algn="ctr"/>
+            <a:endParaRPr lang="LID4096"/>
+          </a:p>
+        </p:txBody>
+      </p:sp>
+      <p:sp>
+        <p:nvSpPr>
+          <p:cNvPr id="11" name="Multiplication Sign 10">
+            <a:extLst>
+              <a:ext uri="{FF2B5EF4-FFF2-40B4-BE49-F238E27FC236}">
+                <a16:creationId xmlns:a16="http://schemas.microsoft.com/office/drawing/2014/main" id="{A0AAA447-4AB6-4532-8009-12E25E01AC1C}"/>
+              </a:ext>
+            </a:extLst>
+          </p:cNvPr>
+          <p:cNvSpPr/>
+          <p:nvPr/>
+        </p:nvSpPr>
+        <p:spPr>
+          <a:xfrm>
+            <a:off x="5283056" y="5363033"/>
+            <a:ext cx="216000" cy="216812"/>
+          </a:xfrm>
+          <a:prstGeom prst="mathMultiply">
+            <a:avLst/>
+          </a:prstGeom>
+          <a:solidFill>
+            <a:schemeClr val="tx1"/>
+          </a:solidFill>
+          <a:ln>
+            <a:solidFill>
+              <a:schemeClr val="tx1"/>
+            </a:solidFill>
+          </a:ln>
+        </p:spPr>
+        <p:style>
+          <a:lnRef idx="2">
+            <a:schemeClr val="accent1">
+              <a:shade val="50000"/>
+            </a:schemeClr>
+          </a:lnRef>
+          <a:fillRef idx="1">
+            <a:schemeClr val="accent1"/>
+          </a:fillRef>
+          <a:effectRef idx="0">
+            <a:schemeClr val="accent1"/>
+          </a:effectRef>
+          <a:fontRef idx="minor">
+            <a:schemeClr val="lt1"/>
+          </a:fontRef>
+        </p:style>
+        <p:txBody>
+          <a:bodyPr rtlCol="0" anchor="ctr"/>
+          <a:lstStyle/>
+          <a:p>
+            <a:pPr algn="ctr"/>
+            <a:endParaRPr lang="LID4096"/>
+          </a:p>
+        </p:txBody>
+      </p:sp>
+      <p:sp>
+        <p:nvSpPr>
+          <p:cNvPr id="12" name="Multiplication Sign 11">
+            <a:extLst>
+              <a:ext uri="{FF2B5EF4-FFF2-40B4-BE49-F238E27FC236}">
+                <a16:creationId xmlns:a16="http://schemas.microsoft.com/office/drawing/2014/main" id="{FD8F9A1C-CCF9-4601-9954-71B6F7C8767D}"/>
+              </a:ext>
+            </a:extLst>
+          </p:cNvPr>
+          <p:cNvSpPr/>
+          <p:nvPr/>
+        </p:nvSpPr>
+        <p:spPr>
+          <a:xfrm>
+            <a:off x="6566440" y="4505511"/>
+            <a:ext cx="216000" cy="216812"/>
+          </a:xfrm>
+          <a:prstGeom prst="mathMultiply">
+            <a:avLst/>
+          </a:prstGeom>
+          <a:solidFill>
+            <a:schemeClr val="tx1"/>
+          </a:solidFill>
+          <a:ln>
+            <a:solidFill>
+              <a:schemeClr val="tx1"/>
+            </a:solidFill>
+          </a:ln>
+        </p:spPr>
+        <p:style>
+          <a:lnRef idx="2">
+            <a:schemeClr val="accent1">
+              <a:shade val="50000"/>
+            </a:schemeClr>
+          </a:lnRef>
+          <a:fillRef idx="1">
+            <a:schemeClr val="accent1"/>
+          </a:fillRef>
+          <a:effectRef idx="0">
+            <a:schemeClr val="accent1"/>
+          </a:effectRef>
+          <a:fontRef idx="minor">
+            <a:schemeClr val="lt1"/>
+          </a:fontRef>
+        </p:style>
+        <p:txBody>
+          <a:bodyPr rtlCol="0" anchor="ctr"/>
+          <a:lstStyle/>
+          <a:p>
+            <a:pPr algn="ctr"/>
+            <a:endParaRPr lang="LID4096"/>
+          </a:p>
+        </p:txBody>
+      </p:sp>
+      <p:sp>
+        <p:nvSpPr>
+          <p:cNvPr id="13" name="Multiplication Sign 12">
+            <a:extLst>
+              <a:ext uri="{FF2B5EF4-FFF2-40B4-BE49-F238E27FC236}">
+                <a16:creationId xmlns:a16="http://schemas.microsoft.com/office/drawing/2014/main" id="{FF1E5347-8512-4BC8-A06B-AC977EEE6978}"/>
+              </a:ext>
+            </a:extLst>
+          </p:cNvPr>
+          <p:cNvSpPr/>
+          <p:nvPr/>
+        </p:nvSpPr>
+        <p:spPr>
+          <a:xfrm>
+            <a:off x="6698415" y="4005897"/>
+            <a:ext cx="216000" cy="216812"/>
+          </a:xfrm>
+          <a:prstGeom prst="mathMultiply">
+            <a:avLst/>
+          </a:prstGeom>
+          <a:solidFill>
+            <a:schemeClr val="tx1"/>
+          </a:solidFill>
+          <a:ln>
+            <a:solidFill>
+              <a:schemeClr val="tx1"/>
+            </a:solidFill>
+          </a:ln>
+        </p:spPr>
+        <p:style>
+          <a:lnRef idx="2">
+            <a:schemeClr val="accent1">
+              <a:shade val="50000"/>
+            </a:schemeClr>
+          </a:lnRef>
+          <a:fillRef idx="1">
+            <a:schemeClr val="accent1"/>
+          </a:fillRef>
+          <a:effectRef idx="0">
+            <a:schemeClr val="accent1"/>
+          </a:effectRef>
+          <a:fontRef idx="minor">
+            <a:schemeClr val="lt1"/>
+          </a:fontRef>
+        </p:style>
+        <p:txBody>
+          <a:bodyPr rtlCol="0" anchor="ctr"/>
+          <a:lstStyle/>
+          <a:p>
+            <a:pPr algn="ctr"/>
+            <a:endParaRPr lang="LID4096"/>
+          </a:p>
+        </p:txBody>
+      </p:sp>
+      <p:sp>
+        <p:nvSpPr>
+          <p:cNvPr id="14" name="Multiplication Sign 13">
+            <a:extLst>
+              <a:ext uri="{FF2B5EF4-FFF2-40B4-BE49-F238E27FC236}">
+                <a16:creationId xmlns:a16="http://schemas.microsoft.com/office/drawing/2014/main" id="{9C385442-8D13-4B4E-91B7-1CC2C91D4394}"/>
+              </a:ext>
+            </a:extLst>
+          </p:cNvPr>
+          <p:cNvSpPr/>
+          <p:nvPr/>
+        </p:nvSpPr>
+        <p:spPr>
+          <a:xfrm>
+            <a:off x="6129603" y="4131583"/>
+            <a:ext cx="216000" cy="216812"/>
+          </a:xfrm>
+          <a:prstGeom prst="mathMultiply">
+            <a:avLst/>
+          </a:prstGeom>
+          <a:solidFill>
+            <a:schemeClr val="tx1"/>
+          </a:solidFill>
+          <a:ln>
+            <a:solidFill>
+              <a:schemeClr val="tx1"/>
+            </a:solidFill>
+          </a:ln>
+        </p:spPr>
+        <p:style>
+          <a:lnRef idx="2">
+            <a:schemeClr val="accent1">
+              <a:shade val="50000"/>
+            </a:schemeClr>
+          </a:lnRef>
+          <a:fillRef idx="1">
+            <a:schemeClr val="accent1"/>
+          </a:fillRef>
+          <a:effectRef idx="0">
+            <a:schemeClr val="accent1"/>
+          </a:effectRef>
+          <a:fontRef idx="minor">
+            <a:schemeClr val="lt1"/>
+          </a:fontRef>
+        </p:style>
+        <p:txBody>
+          <a:bodyPr rtlCol="0" anchor="ctr"/>
+          <a:lstStyle/>
+          <a:p>
+            <a:pPr algn="ctr"/>
+            <a:endParaRPr lang="LID4096"/>
+          </a:p>
+        </p:txBody>
+      </p:sp>
+      <p:sp>
+        <p:nvSpPr>
+          <p:cNvPr id="15" name="Multiplication Sign 14">
+            <a:extLst>
+              <a:ext uri="{FF2B5EF4-FFF2-40B4-BE49-F238E27FC236}">
+                <a16:creationId xmlns:a16="http://schemas.microsoft.com/office/drawing/2014/main" id="{C37BAEE6-A813-4B0A-9F18-6A4BA07F230F}"/>
+              </a:ext>
+            </a:extLst>
+          </p:cNvPr>
+          <p:cNvSpPr/>
+          <p:nvPr/>
+        </p:nvSpPr>
+        <p:spPr>
+          <a:xfrm>
+            <a:off x="6914415" y="4288699"/>
+            <a:ext cx="216000" cy="216812"/>
+          </a:xfrm>
+          <a:prstGeom prst="mathMultiply">
+            <a:avLst/>
+          </a:prstGeom>
+          <a:solidFill>
+            <a:schemeClr val="tx1"/>
+          </a:solidFill>
+          <a:ln>
+            <a:solidFill>
+              <a:schemeClr val="tx1"/>
+            </a:solidFill>
+          </a:ln>
+        </p:spPr>
+        <p:style>
+          <a:lnRef idx="2">
+            <a:schemeClr val="accent1">
+              <a:shade val="50000"/>
+            </a:schemeClr>
+          </a:lnRef>
+          <a:fillRef idx="1">
+            <a:schemeClr val="accent1"/>
+          </a:fillRef>
+          <a:effectRef idx="0">
+            <a:schemeClr val="accent1"/>
+          </a:effectRef>
+          <a:fontRef idx="minor">
+            <a:schemeClr val="lt1"/>
+          </a:fontRef>
+        </p:style>
+        <p:txBody>
+          <a:bodyPr rtlCol="0" anchor="ctr"/>
+          <a:lstStyle/>
+          <a:p>
+            <a:pPr algn="ctr"/>
+            <a:endParaRPr lang="LID4096"/>
+          </a:p>
+        </p:txBody>
+      </p:sp>
+      <p:sp>
+        <p:nvSpPr>
+          <p:cNvPr id="16" name="Multiplication Sign 15">
+            <a:extLst>
+              <a:ext uri="{FF2B5EF4-FFF2-40B4-BE49-F238E27FC236}">
+                <a16:creationId xmlns:a16="http://schemas.microsoft.com/office/drawing/2014/main" id="{B1239BDF-EE2A-4B40-AF20-03EF0F4A4B64}"/>
+              </a:ext>
+            </a:extLst>
+          </p:cNvPr>
+          <p:cNvSpPr/>
+          <p:nvPr/>
+        </p:nvSpPr>
+        <p:spPr>
+          <a:xfrm>
+            <a:off x="6066034" y="4513472"/>
+            <a:ext cx="216000" cy="216812"/>
+          </a:xfrm>
+          <a:prstGeom prst="mathMultiply">
+            <a:avLst/>
+          </a:prstGeom>
+          <a:solidFill>
+            <a:schemeClr val="tx1"/>
+          </a:solidFill>
+          <a:ln>
+            <a:solidFill>
+              <a:schemeClr val="tx1"/>
+            </a:solidFill>
+          </a:ln>
+        </p:spPr>
+        <p:style>
+          <a:lnRef idx="2">
+            <a:schemeClr val="accent1">
+              <a:shade val="50000"/>
+            </a:schemeClr>
+          </a:lnRef>
+          <a:fillRef idx="1">
+            <a:schemeClr val="accent1"/>
+          </a:fillRef>
+          <a:effectRef idx="0">
+            <a:schemeClr val="accent1"/>
+          </a:effectRef>
+          <a:fontRef idx="minor">
+            <a:schemeClr val="lt1"/>
+          </a:fontRef>
+        </p:style>
+        <p:txBody>
+          <a:bodyPr rtlCol="0" anchor="ctr"/>
+          <a:lstStyle/>
+          <a:p>
+            <a:pPr algn="ctr"/>
+            <a:endParaRPr lang="LID4096"/>
+          </a:p>
+        </p:txBody>
+      </p:sp>
+      <p:sp>
+        <p:nvSpPr>
+          <p:cNvPr id="17" name="Multiplication Sign 16">
+            <a:extLst>
+              <a:ext uri="{FF2B5EF4-FFF2-40B4-BE49-F238E27FC236}">
+                <a16:creationId xmlns:a16="http://schemas.microsoft.com/office/drawing/2014/main" id="{1575DF8E-5BAB-48A5-925E-46F82CD43834}"/>
+              </a:ext>
+            </a:extLst>
+          </p:cNvPr>
+          <p:cNvSpPr/>
+          <p:nvPr/>
+        </p:nvSpPr>
+        <p:spPr>
+          <a:xfrm>
+            <a:off x="6458440" y="4851476"/>
+            <a:ext cx="216000" cy="216812"/>
+          </a:xfrm>
+          <a:prstGeom prst="mathMultiply">
+            <a:avLst/>
+          </a:prstGeom>
+          <a:solidFill>
+            <a:schemeClr val="tx1"/>
+          </a:solidFill>
+          <a:ln>
+            <a:solidFill>
+              <a:schemeClr val="tx1"/>
+            </a:solidFill>
+          </a:ln>
+        </p:spPr>
+        <p:style>
+          <a:lnRef idx="2">
+            <a:schemeClr val="accent1">
+              <a:shade val="50000"/>
+            </a:schemeClr>
+          </a:lnRef>
+          <a:fillRef idx="1">
+            <a:schemeClr val="accent1"/>
+          </a:fillRef>
+          <a:effectRef idx="0">
+            <a:schemeClr val="accent1"/>
+          </a:effectRef>
+          <a:fontRef idx="minor">
+            <a:schemeClr val="lt1"/>
+          </a:fontRef>
+        </p:style>
+        <p:txBody>
+          <a:bodyPr rtlCol="0" anchor="ctr"/>
+          <a:lstStyle/>
+          <a:p>
+            <a:pPr algn="ctr"/>
+            <a:endParaRPr lang="LID4096"/>
+          </a:p>
+        </p:txBody>
+      </p:sp>
+      <p:sp>
+        <p:nvSpPr>
+          <p:cNvPr id="18" name="Multiplication Sign 17">
+            <a:extLst>
+              <a:ext uri="{FF2B5EF4-FFF2-40B4-BE49-F238E27FC236}">
+                <a16:creationId xmlns:a16="http://schemas.microsoft.com/office/drawing/2014/main" id="{DE87551C-8C57-4B8F-913E-AA9F84AF99D4}"/>
+              </a:ext>
+            </a:extLst>
+          </p:cNvPr>
+          <p:cNvSpPr/>
+          <p:nvPr/>
+        </p:nvSpPr>
+        <p:spPr>
+          <a:xfrm>
+            <a:off x="6374415" y="4339076"/>
+            <a:ext cx="216000" cy="216812"/>
+          </a:xfrm>
+          <a:prstGeom prst="mathMultiply">
+            <a:avLst/>
+          </a:prstGeom>
+          <a:solidFill>
+            <a:schemeClr val="tx1"/>
+          </a:solidFill>
+          <a:ln>
+            <a:solidFill>
+              <a:schemeClr val="tx1"/>
+            </a:solidFill>
+          </a:ln>
+        </p:spPr>
+        <p:style>
+          <a:lnRef idx="2">
+            <a:schemeClr val="accent1">
+              <a:shade val="50000"/>
+            </a:schemeClr>
+          </a:lnRef>
+          <a:fillRef idx="1">
+            <a:schemeClr val="accent1"/>
+          </a:fillRef>
+          <a:effectRef idx="0">
+            <a:schemeClr val="accent1"/>
+          </a:effectRef>
+          <a:fontRef idx="minor">
+            <a:schemeClr val="lt1"/>
+          </a:fontRef>
+        </p:style>
+        <p:txBody>
+          <a:bodyPr rtlCol="0" anchor="ctr"/>
+          <a:lstStyle/>
+          <a:p>
+            <a:pPr algn="ctr"/>
+            <a:endParaRPr lang="LID4096"/>
+          </a:p>
+        </p:txBody>
+      </p:sp>
+      <p:sp>
+        <p:nvSpPr>
+          <p:cNvPr id="19" name="Multiplication Sign 18">
+            <a:extLst>
+              <a:ext uri="{FF2B5EF4-FFF2-40B4-BE49-F238E27FC236}">
+                <a16:creationId xmlns:a16="http://schemas.microsoft.com/office/drawing/2014/main" id="{3DF03390-C617-457C-8395-83422BE8B676}"/>
+              </a:ext>
+            </a:extLst>
+          </p:cNvPr>
+          <p:cNvSpPr/>
+          <p:nvPr/>
+        </p:nvSpPr>
+        <p:spPr>
+          <a:xfrm>
+            <a:off x="5805603" y="4464762"/>
+            <a:ext cx="216000" cy="216812"/>
+          </a:xfrm>
+          <a:prstGeom prst="mathMultiply">
+            <a:avLst/>
+          </a:prstGeom>
+          <a:solidFill>
+            <a:schemeClr val="tx1"/>
+          </a:solidFill>
+          <a:ln>
+            <a:solidFill>
+              <a:schemeClr val="tx1"/>
+            </a:solidFill>
+          </a:ln>
+        </p:spPr>
+        <p:style>
+          <a:lnRef idx="2">
+            <a:schemeClr val="accent1">
+              <a:shade val="50000"/>
+            </a:schemeClr>
+          </a:lnRef>
+          <a:fillRef idx="1">
+            <a:schemeClr val="accent1"/>
+          </a:fillRef>
+          <a:effectRef idx="0">
+            <a:schemeClr val="accent1"/>
+          </a:effectRef>
+          <a:fontRef idx="minor">
+            <a:schemeClr val="lt1"/>
+          </a:fontRef>
+        </p:style>
+        <p:txBody>
+          <a:bodyPr rtlCol="0" anchor="ctr"/>
+          <a:lstStyle/>
+          <a:p>
+            <a:pPr algn="ctr"/>
+            <a:endParaRPr lang="LID4096"/>
+          </a:p>
+        </p:txBody>
+      </p:sp>
+      <p:sp>
+        <p:nvSpPr>
+          <p:cNvPr id="20" name="Multiplication Sign 19">
+            <a:extLst>
+              <a:ext uri="{FF2B5EF4-FFF2-40B4-BE49-F238E27FC236}">
+                <a16:creationId xmlns:a16="http://schemas.microsoft.com/office/drawing/2014/main" id="{90C4C0C6-7D42-4A7F-8466-A01F8261AF0A}"/>
+              </a:ext>
+            </a:extLst>
+          </p:cNvPr>
+          <p:cNvSpPr/>
+          <p:nvPr/>
+        </p:nvSpPr>
+        <p:spPr>
+          <a:xfrm>
+            <a:off x="6941909" y="4681574"/>
+            <a:ext cx="216000" cy="216812"/>
+          </a:xfrm>
+          <a:prstGeom prst="mathMultiply">
+            <a:avLst/>
+          </a:prstGeom>
+          <a:solidFill>
+            <a:schemeClr val="tx1"/>
+          </a:solidFill>
+          <a:ln>
+            <a:solidFill>
+              <a:schemeClr val="tx1"/>
+            </a:solidFill>
+          </a:ln>
+        </p:spPr>
+        <p:style>
+          <a:lnRef idx="2">
+            <a:schemeClr val="accent1">
+              <a:shade val="50000"/>
+            </a:schemeClr>
+          </a:lnRef>
+          <a:fillRef idx="1">
+            <a:schemeClr val="accent1"/>
+          </a:fillRef>
+          <a:effectRef idx="0">
+            <a:schemeClr val="accent1"/>
+          </a:effectRef>
+          <a:fontRef idx="minor">
+            <a:schemeClr val="lt1"/>
+          </a:fontRef>
+        </p:style>
+        <p:txBody>
+          <a:bodyPr rtlCol="0" anchor="ctr"/>
+          <a:lstStyle/>
+          <a:p>
+            <a:pPr algn="ctr"/>
+            <a:endParaRPr lang="LID4096"/>
+          </a:p>
+        </p:txBody>
+      </p:sp>
+      <p:sp>
+        <p:nvSpPr>
+          <p:cNvPr id="21" name="Multiplication Sign 20">
+            <a:extLst>
+              <a:ext uri="{FF2B5EF4-FFF2-40B4-BE49-F238E27FC236}">
+                <a16:creationId xmlns:a16="http://schemas.microsoft.com/office/drawing/2014/main" id="{B1854907-99A9-4235-BD01-043A1A1DBB9B}"/>
+              </a:ext>
+            </a:extLst>
+          </p:cNvPr>
+          <p:cNvSpPr/>
+          <p:nvPr/>
+        </p:nvSpPr>
+        <p:spPr>
+          <a:xfrm>
+            <a:off x="6345603" y="3753170"/>
+            <a:ext cx="216000" cy="216812"/>
+          </a:xfrm>
+          <a:prstGeom prst="mathMultiply">
+            <a:avLst/>
+          </a:prstGeom>
+          <a:solidFill>
+            <a:schemeClr val="tx1"/>
+          </a:solidFill>
+          <a:ln>
+            <a:solidFill>
+              <a:schemeClr val="tx1"/>
+            </a:solidFill>
+          </a:ln>
+        </p:spPr>
+        <p:style>
+          <a:lnRef idx="2">
+            <a:schemeClr val="accent1">
+              <a:shade val="50000"/>
+            </a:schemeClr>
+          </a:lnRef>
+          <a:fillRef idx="1">
+            <a:schemeClr val="accent1"/>
+          </a:fillRef>
+          <a:effectRef idx="0">
+            <a:schemeClr val="accent1"/>
+          </a:effectRef>
+          <a:fontRef idx="minor">
+            <a:schemeClr val="lt1"/>
+          </a:fontRef>
+        </p:style>
+        <p:txBody>
+          <a:bodyPr rtlCol="0" anchor="ctr"/>
+          <a:lstStyle/>
+          <a:p>
+            <a:pPr algn="ctr"/>
+            <a:endParaRPr lang="LID4096"/>
+          </a:p>
+        </p:txBody>
+      </p:sp>
+      <p:grpSp>
+        <p:nvGrpSpPr>
+          <p:cNvPr id="27" name="Group 26">
+            <a:extLst>
+              <a:ext uri="{FF2B5EF4-FFF2-40B4-BE49-F238E27FC236}">
+                <a16:creationId xmlns:a16="http://schemas.microsoft.com/office/drawing/2014/main" id="{917FB4B5-42BE-44E5-B45B-043E5F338B7F}"/>
+              </a:ext>
+            </a:extLst>
+          </p:cNvPr>
+          <p:cNvGrpSpPr/>
+          <p:nvPr/>
+        </p:nvGrpSpPr>
+        <p:grpSpPr>
+          <a:xfrm flipH="1">
+            <a:off x="4804791" y="4689163"/>
+            <a:ext cx="1064381" cy="724387"/>
+            <a:chOff x="4768416" y="4273683"/>
+            <a:chExt cx="1064381" cy="724387"/>
+          </a:xfrm>
+        </p:grpSpPr>
+        <p:sp>
+          <p:nvSpPr>
+            <p:cNvPr id="22" name="Multiplication Sign 21">
+              <a:extLst>
+                <a:ext uri="{FF2B5EF4-FFF2-40B4-BE49-F238E27FC236}">
+                  <a16:creationId xmlns:a16="http://schemas.microsoft.com/office/drawing/2014/main" id="{5C2A98D7-514B-4271-BBD6-BBDC11EBDD9F}"/>
+                </a:ext>
+              </a:extLst>
+            </p:cNvPr>
+            <p:cNvSpPr/>
+            <p:nvPr/>
+          </p:nvSpPr>
+          <p:spPr>
+            <a:xfrm>
+              <a:off x="5268822" y="4773297"/>
+              <a:ext cx="216000" cy="216812"/>
+            </a:xfrm>
+            <a:prstGeom prst="mathMultiply">
+              <a:avLst/>
+            </a:prstGeom>
+            <a:solidFill>
+              <a:schemeClr val="tx1"/>
+            </a:solidFill>
+            <a:ln>
+              <a:solidFill>
+                <a:schemeClr val="tx1"/>
+              </a:solidFill>
+            </a:ln>
+          </p:spPr>
+          <p:style>
+            <a:lnRef idx="2">
+              <a:schemeClr val="accent1">
+                <a:shade val="50000"/>
+              </a:schemeClr>
+            </a:lnRef>
+            <a:fillRef idx="1">
+              <a:schemeClr val="accent1"/>
+            </a:fillRef>
+            <a:effectRef idx="0">
+              <a:schemeClr val="accent1"/>
+            </a:effectRef>
+            <a:fontRef idx="minor">
+              <a:schemeClr val="lt1"/>
+            </a:fontRef>
+          </p:style>
+          <p:txBody>
+            <a:bodyPr rtlCol="0" anchor="ctr"/>
+            <a:lstStyle/>
+            <a:p>
+              <a:pPr algn="ctr"/>
+              <a:endParaRPr lang="LID4096"/>
+            </a:p>
+          </p:txBody>
+        </p:sp>
+        <p:sp>
+          <p:nvSpPr>
+            <p:cNvPr id="23" name="Multiplication Sign 22">
+              <a:extLst>
+                <a:ext uri="{FF2B5EF4-FFF2-40B4-BE49-F238E27FC236}">
+                  <a16:creationId xmlns:a16="http://schemas.microsoft.com/office/drawing/2014/main" id="{E2A6DB12-337D-44F0-922F-22CFA0BEE8F8}"/>
+                </a:ext>
+              </a:extLst>
+            </p:cNvPr>
+            <p:cNvSpPr/>
+            <p:nvPr/>
+          </p:nvSpPr>
+          <p:spPr>
+            <a:xfrm>
+              <a:off x="5400797" y="4273683"/>
+              <a:ext cx="216000" cy="216812"/>
+            </a:xfrm>
+            <a:prstGeom prst="mathMultiply">
+              <a:avLst/>
+            </a:prstGeom>
+            <a:solidFill>
+              <a:schemeClr val="tx1"/>
+            </a:solidFill>
+            <a:ln>
+              <a:solidFill>
+                <a:schemeClr val="tx1"/>
+              </a:solidFill>
+            </a:ln>
+          </p:spPr>
+          <p:style>
+            <a:lnRef idx="2">
+              <a:schemeClr val="accent1">
+                <a:shade val="50000"/>
+              </a:schemeClr>
+            </a:lnRef>
+            <a:fillRef idx="1">
+              <a:schemeClr val="accent1"/>
+            </a:fillRef>
+            <a:effectRef idx="0">
+              <a:schemeClr val="accent1"/>
+            </a:effectRef>
+            <a:fontRef idx="minor">
+              <a:schemeClr val="lt1"/>
+            </a:fontRef>
+          </p:style>
+          <p:txBody>
+            <a:bodyPr rtlCol="0" anchor="ctr"/>
+            <a:lstStyle/>
+            <a:p>
+              <a:pPr algn="ctr"/>
+              <a:endParaRPr lang="LID4096"/>
+            </a:p>
+          </p:txBody>
+        </p:sp>
+        <p:sp>
+          <p:nvSpPr>
+            <p:cNvPr id="24" name="Multiplication Sign 23">
+              <a:extLst>
+                <a:ext uri="{FF2B5EF4-FFF2-40B4-BE49-F238E27FC236}">
+                  <a16:creationId xmlns:a16="http://schemas.microsoft.com/office/drawing/2014/main" id="{9E98ECE0-3C8A-48FF-BDE6-7EA521862491}"/>
+                </a:ext>
+              </a:extLst>
+            </p:cNvPr>
+            <p:cNvSpPr/>
+            <p:nvPr/>
+          </p:nvSpPr>
+          <p:spPr>
+            <a:xfrm>
+              <a:off x="4831985" y="4399369"/>
+              <a:ext cx="216000" cy="216812"/>
+            </a:xfrm>
+            <a:prstGeom prst="mathMultiply">
+              <a:avLst/>
+            </a:prstGeom>
+            <a:solidFill>
+              <a:schemeClr val="tx1"/>
+            </a:solidFill>
+            <a:ln>
+              <a:solidFill>
+                <a:schemeClr val="tx1"/>
+              </a:solidFill>
+            </a:ln>
+          </p:spPr>
+          <p:style>
+            <a:lnRef idx="2">
+              <a:schemeClr val="accent1">
+                <a:shade val="50000"/>
+              </a:schemeClr>
+            </a:lnRef>
+            <a:fillRef idx="1">
+              <a:schemeClr val="accent1"/>
+            </a:fillRef>
+            <a:effectRef idx="0">
+              <a:schemeClr val="accent1"/>
+            </a:effectRef>
+            <a:fontRef idx="minor">
+              <a:schemeClr val="lt1"/>
+            </a:fontRef>
+          </p:style>
+          <p:txBody>
+            <a:bodyPr rtlCol="0" anchor="ctr"/>
+            <a:lstStyle/>
+            <a:p>
+              <a:pPr algn="ctr"/>
+              <a:endParaRPr lang="LID4096"/>
+            </a:p>
+          </p:txBody>
+        </p:sp>
+        <p:sp>
+          <p:nvSpPr>
+            <p:cNvPr id="25" name="Multiplication Sign 24">
+              <a:extLst>
+                <a:ext uri="{FF2B5EF4-FFF2-40B4-BE49-F238E27FC236}">
+                  <a16:creationId xmlns:a16="http://schemas.microsoft.com/office/drawing/2014/main" id="{099C599C-7003-4433-970B-906D115F2A25}"/>
+                </a:ext>
+              </a:extLst>
+            </p:cNvPr>
+            <p:cNvSpPr/>
+            <p:nvPr/>
+          </p:nvSpPr>
+          <p:spPr>
+            <a:xfrm>
+              <a:off x="5616797" y="4556485"/>
+              <a:ext cx="216000" cy="216812"/>
+            </a:xfrm>
+            <a:prstGeom prst="mathMultiply">
+              <a:avLst/>
+            </a:prstGeom>
+            <a:solidFill>
+              <a:schemeClr val="tx1"/>
+            </a:solidFill>
+            <a:ln>
+              <a:solidFill>
+                <a:schemeClr val="tx1"/>
+              </a:solidFill>
+            </a:ln>
+          </p:spPr>
+          <p:style>
+            <a:lnRef idx="2">
+              <a:schemeClr val="accent1">
+                <a:shade val="50000"/>
+              </a:schemeClr>
+            </a:lnRef>
+            <a:fillRef idx="1">
+              <a:schemeClr val="accent1"/>
+            </a:fillRef>
+            <a:effectRef idx="0">
+              <a:schemeClr val="accent1"/>
+            </a:effectRef>
+            <a:fontRef idx="minor">
+              <a:schemeClr val="lt1"/>
+            </a:fontRef>
+          </p:style>
+          <p:txBody>
+            <a:bodyPr rtlCol="0" anchor="ctr"/>
+            <a:lstStyle/>
+            <a:p>
+              <a:pPr algn="ctr"/>
+              <a:endParaRPr lang="LID4096"/>
+            </a:p>
+          </p:txBody>
+        </p:sp>
+        <p:sp>
+          <p:nvSpPr>
+            <p:cNvPr id="26" name="Multiplication Sign 25">
+              <a:extLst>
+                <a:ext uri="{FF2B5EF4-FFF2-40B4-BE49-F238E27FC236}">
+                  <a16:creationId xmlns:a16="http://schemas.microsoft.com/office/drawing/2014/main" id="{B9A83545-79DF-4379-9656-2087D73DF493}"/>
+                </a:ext>
+              </a:extLst>
+            </p:cNvPr>
+            <p:cNvSpPr/>
+            <p:nvPr/>
+          </p:nvSpPr>
+          <p:spPr>
+            <a:xfrm>
+              <a:off x="4768416" y="4781258"/>
+              <a:ext cx="216000" cy="216812"/>
+            </a:xfrm>
+            <a:prstGeom prst="mathMultiply">
+              <a:avLst/>
+            </a:prstGeom>
+            <a:solidFill>
+              <a:schemeClr val="tx1"/>
+            </a:solidFill>
+            <a:ln>
+              <a:solidFill>
+                <a:schemeClr val="tx1"/>
+              </a:solidFill>
+            </a:ln>
+          </p:spPr>
+          <p:style>
+            <a:lnRef idx="2">
+              <a:schemeClr val="accent1">
+                <a:shade val="50000"/>
+              </a:schemeClr>
+            </a:lnRef>
+            <a:fillRef idx="1">
+              <a:schemeClr val="accent1"/>
+            </a:fillRef>
+            <a:effectRef idx="0">
+              <a:schemeClr val="accent1"/>
+            </a:effectRef>
+            <a:fontRef idx="minor">
+              <a:schemeClr val="lt1"/>
+            </a:fontRef>
+          </p:style>
+          <p:txBody>
+            <a:bodyPr rtlCol="0" anchor="ctr"/>
+            <a:lstStyle/>
+            <a:p>
+              <a:pPr algn="ctr"/>
+              <a:endParaRPr lang="LID4096"/>
+            </a:p>
+          </p:txBody>
+        </p:sp>
+      </p:grpSp>
+      <p:sp>
+        <p:nvSpPr>
+          <p:cNvPr id="3" name="TextBox 2">
+            <a:extLst>
+              <a:ext uri="{FF2B5EF4-FFF2-40B4-BE49-F238E27FC236}">
+                <a16:creationId xmlns:a16="http://schemas.microsoft.com/office/drawing/2014/main" id="{B8B96518-BAE1-4BF0-A4C4-BFE0F81C15C4}"/>
+              </a:ext>
+            </a:extLst>
+          </p:cNvPr>
+          <p:cNvSpPr txBox="1"/>
+          <p:nvPr/>
+        </p:nvSpPr>
+        <p:spPr>
+          <a:xfrm>
+            <a:off x="8291939" y="6112095"/>
+            <a:ext cx="1574276" cy="369332"/>
+          </a:xfrm>
+          <a:prstGeom prst="rect">
+            <a:avLst/>
+          </a:prstGeom>
+          <a:noFill/>
+        </p:spPr>
+        <p:txBody>
+          <a:bodyPr wrap="square" rtlCol="0">
+            <a:spAutoFit/>
+          </a:bodyPr>
+          <a:lstStyle/>
+          <a:p>
+            <a:r>
+              <a:rPr lang="en-US" dirty="0"/>
+              <a:t>Sleeping hours</a:t>
+            </a:r>
+            <a:endParaRPr lang="LID4096" dirty="0"/>
+          </a:p>
+        </p:txBody>
+      </p:sp>
+      <p:sp>
+        <p:nvSpPr>
+          <p:cNvPr id="28" name="TextBox 27">
+            <a:extLst>
+              <a:ext uri="{FF2B5EF4-FFF2-40B4-BE49-F238E27FC236}">
+                <a16:creationId xmlns:a16="http://schemas.microsoft.com/office/drawing/2014/main" id="{42BF8729-E683-4A3A-B192-2D6B51F7EEBB}"/>
+              </a:ext>
+            </a:extLst>
+          </p:cNvPr>
+          <p:cNvSpPr txBox="1"/>
+          <p:nvPr/>
+        </p:nvSpPr>
+        <p:spPr>
+          <a:xfrm>
+            <a:off x="3401241" y="2690201"/>
+            <a:ext cx="1814251" cy="369332"/>
+          </a:xfrm>
+          <a:prstGeom prst="rect">
+            <a:avLst/>
+          </a:prstGeom>
+          <a:noFill/>
+        </p:spPr>
+        <p:txBody>
+          <a:bodyPr wrap="square" rtlCol="0">
+            <a:spAutoFit/>
+          </a:bodyPr>
+          <a:lstStyle/>
+          <a:p>
+            <a:r>
+              <a:rPr lang="en-US" dirty="0"/>
+              <a:t>Depression level</a:t>
+            </a:r>
+            <a:endParaRPr lang="LID4096" dirty="0"/>
+          </a:p>
+        </p:txBody>
+      </p:sp>
+      <p:cxnSp>
+        <p:nvCxnSpPr>
+          <p:cNvPr id="29" name="Straight Connector 28">
+            <a:extLst>
+              <a:ext uri="{FF2B5EF4-FFF2-40B4-BE49-F238E27FC236}">
+                <a16:creationId xmlns:a16="http://schemas.microsoft.com/office/drawing/2014/main" id="{E9C73081-1D2D-4AE4-AC3B-57763DE43B4E}"/>
+              </a:ext>
+            </a:extLst>
+          </p:cNvPr>
+          <p:cNvCxnSpPr>
+            <a:cxnSpLocks/>
+          </p:cNvCxnSpPr>
+          <p:nvPr/>
+        </p:nvCxnSpPr>
+        <p:spPr>
+          <a:xfrm flipV="1">
+            <a:off x="4128940" y="3667027"/>
+            <a:ext cx="3780149" cy="2215299"/>
+          </a:xfrm>
+          <a:prstGeom prst="line">
+            <a:avLst/>
+          </a:prstGeom>
+          <a:ln w="25400"/>
+        </p:spPr>
+        <p:style>
+          <a:lnRef idx="1">
+            <a:schemeClr val="accent1"/>
+          </a:lnRef>
+          <a:fillRef idx="0">
+            <a:schemeClr val="accent1"/>
+          </a:fillRef>
+          <a:effectRef idx="0">
+            <a:schemeClr val="accent1"/>
+          </a:effectRef>
+          <a:fontRef idx="minor">
+            <a:schemeClr val="tx1"/>
+          </a:fontRef>
+        </p:style>
+      </p:cxnSp>
+    </p:spTree>
+    <p:extLst>
+      <p:ext uri="{BB962C8B-B14F-4D97-AF65-F5344CB8AC3E}">
+        <p14:creationId xmlns:p14="http://schemas.microsoft.com/office/powerpoint/2010/main" val="592525368"/>
+      </p:ext>
+    </p:extLst>
+  </p:cSld>
+  <p:clrMapOvr>
+    <a:masterClrMapping/>
+  </p:clrMapOvr>
+</p:sld>
+</file>
+
+<file path=ppt/slides/slide8.xml><?xml version="1.0" encoding="utf-8"?>
+<p:sld xmlns:a="http://schemas.openxmlformats.org/drawingml/2006/main" xmlns:r="http://schemas.openxmlformats.org/officeDocument/2006/relationships" xmlns:p="http://schemas.openxmlformats.org/presentationml/2006/main">
+  <p:cSld>
+    <p:spTree>
+      <p:nvGrpSpPr>
+        <p:cNvPr id="1" name=""/>
+        <p:cNvGrpSpPr/>
+        <p:nvPr/>
+      </p:nvGrpSpPr>
+      <p:grpSpPr>
+        <a:xfrm>
+          <a:off x="0" y="0"/>
+          <a:ext cx="0" cy="0"/>
+          <a:chOff x="0" y="0"/>
+          <a:chExt cx="0" cy="0"/>
+        </a:xfrm>
+      </p:grpSpPr>
+      <p:sp>
+        <p:nvSpPr>
+          <p:cNvPr id="2" name="TextBox 1">
+            <a:extLst>
+              <a:ext uri="{FF2B5EF4-FFF2-40B4-BE49-F238E27FC236}">
+                <a16:creationId xmlns:a16="http://schemas.microsoft.com/office/drawing/2014/main" id="{738ACA54-D23B-4CA2-8237-C72A23268198}"/>
+              </a:ext>
+            </a:extLst>
+          </p:cNvPr>
+          <p:cNvSpPr txBox="1"/>
+          <p:nvPr/>
+        </p:nvSpPr>
+        <p:spPr>
+          <a:xfrm>
+            <a:off x="1304005" y="897000"/>
+            <a:ext cx="9159747" cy="880369"/>
+          </a:xfrm>
+          <a:prstGeom prst="rect">
+            <a:avLst/>
+          </a:prstGeom>
+          <a:noFill/>
+        </p:spPr>
+        <p:txBody>
+          <a:bodyPr wrap="square" rtlCol="0">
+            <a:spAutoFit/>
+          </a:bodyPr>
+          <a:lstStyle/>
+          <a:p>
+            <a:pPr>
+              <a:lnSpc>
+                <a:spcPct val="150000"/>
+              </a:lnSpc>
+            </a:pPr>
+            <a:r>
+              <a:rPr lang="en-US" dirty="0"/>
+              <a:t>Now, project all points onto this line.</a:t>
+            </a:r>
+          </a:p>
+          <a:p>
+            <a:pPr>
+              <a:lnSpc>
+                <a:spcPct val="150000"/>
+              </a:lnSpc>
+            </a:pPr>
+            <a:r>
+              <a:rPr lang="en-US" dirty="0"/>
+              <a:t>The projections are our new database, which has now only 1 dimension.</a:t>
+            </a:r>
+          </a:p>
+        </p:txBody>
+      </p:sp>
+      <p:cxnSp>
+        <p:nvCxnSpPr>
+          <p:cNvPr id="4" name="Straight Arrow Connector 3">
+            <a:extLst>
+              <a:ext uri="{FF2B5EF4-FFF2-40B4-BE49-F238E27FC236}">
+                <a16:creationId xmlns:a16="http://schemas.microsoft.com/office/drawing/2014/main" id="{BE6ECB3F-9D34-47AB-9A9F-A6658153466E}"/>
+              </a:ext>
+            </a:extLst>
+          </p:cNvPr>
+          <p:cNvCxnSpPr>
+            <a:cxnSpLocks/>
+          </p:cNvCxnSpPr>
+          <p:nvPr/>
+        </p:nvCxnSpPr>
+        <p:spPr>
+          <a:xfrm>
+            <a:off x="3960925" y="5301390"/>
+            <a:ext cx="4500000" cy="0"/>
+          </a:xfrm>
+          <a:prstGeom prst="straightConnector1">
+            <a:avLst/>
+          </a:prstGeom>
+          <a:ln w="38100">
+            <a:tailEnd type="triangle"/>
+          </a:ln>
+        </p:spPr>
+        <p:style>
+          <a:lnRef idx="3">
+            <a:schemeClr val="dk1"/>
+          </a:lnRef>
+          <a:fillRef idx="0">
+            <a:schemeClr val="dk1"/>
+          </a:fillRef>
+          <a:effectRef idx="2">
+            <a:schemeClr val="dk1"/>
+          </a:effectRef>
+          <a:fontRef idx="minor">
+            <a:schemeClr val="tx1"/>
+          </a:fontRef>
+        </p:style>
+      </p:cxnSp>
+      <p:cxnSp>
+        <p:nvCxnSpPr>
+          <p:cNvPr id="5" name="Straight Arrow Connector 4">
+            <a:extLst>
+              <a:ext uri="{FF2B5EF4-FFF2-40B4-BE49-F238E27FC236}">
+                <a16:creationId xmlns:a16="http://schemas.microsoft.com/office/drawing/2014/main" id="{87AB7106-CDA8-4FAA-AD6E-2F2B7AB9DC10}"/>
+              </a:ext>
+            </a:extLst>
+          </p:cNvPr>
+          <p:cNvCxnSpPr>
+            <a:cxnSpLocks/>
+          </p:cNvCxnSpPr>
+          <p:nvPr/>
+        </p:nvCxnSpPr>
+        <p:spPr>
+          <a:xfrm rot="16200000">
+            <a:off x="2450004" y="3771390"/>
+            <a:ext cx="3060000" cy="0"/>
+          </a:xfrm>
+          <a:prstGeom prst="straightConnector1">
+            <a:avLst/>
+          </a:prstGeom>
+          <a:ln w="38100">
+            <a:tailEnd type="triangle"/>
+          </a:ln>
+        </p:spPr>
+        <p:style>
+          <a:lnRef idx="3">
+            <a:schemeClr val="dk1"/>
+          </a:lnRef>
+          <a:fillRef idx="0">
+            <a:schemeClr val="dk1"/>
+          </a:fillRef>
+          <a:effectRef idx="2">
+            <a:schemeClr val="dk1"/>
+          </a:effectRef>
+          <a:fontRef idx="minor">
+            <a:schemeClr val="tx1"/>
+          </a:fontRef>
+        </p:style>
+      </p:cxnSp>
+      <p:sp>
+        <p:nvSpPr>
+          <p:cNvPr id="7" name="Multiplication Sign 6">
+            <a:extLst>
+              <a:ext uri="{FF2B5EF4-FFF2-40B4-BE49-F238E27FC236}">
+                <a16:creationId xmlns:a16="http://schemas.microsoft.com/office/drawing/2014/main" id="{943ABC6D-13ED-41A2-8278-FDF634EEF7D8}"/>
+              </a:ext>
+            </a:extLst>
+          </p:cNvPr>
+          <p:cNvSpPr/>
+          <p:nvPr/>
+        </p:nvSpPr>
+        <p:spPr>
+          <a:xfrm>
+            <a:off x="5434671" y="4544367"/>
+            <a:ext cx="216000" cy="216812"/>
+          </a:xfrm>
+          <a:prstGeom prst="mathMultiply">
+            <a:avLst/>
+          </a:prstGeom>
+          <a:solidFill>
+            <a:schemeClr val="tx1"/>
+          </a:solidFill>
+          <a:ln>
+            <a:solidFill>
+              <a:schemeClr val="tx1"/>
+            </a:solidFill>
+          </a:ln>
+        </p:spPr>
+        <p:style>
+          <a:lnRef idx="2">
+            <a:schemeClr val="accent1">
+              <a:shade val="50000"/>
+            </a:schemeClr>
+          </a:lnRef>
+          <a:fillRef idx="1">
+            <a:schemeClr val="accent1"/>
+          </a:fillRef>
+          <a:effectRef idx="0">
+            <a:schemeClr val="accent1"/>
+          </a:effectRef>
+          <a:fontRef idx="minor">
+            <a:schemeClr val="lt1"/>
+          </a:fontRef>
+        </p:style>
+        <p:txBody>
+          <a:bodyPr rtlCol="0" anchor="ctr"/>
+          <a:lstStyle/>
+          <a:p>
+            <a:pPr algn="ctr"/>
+            <a:endParaRPr lang="LID4096"/>
+          </a:p>
+        </p:txBody>
+      </p:sp>
+      <p:sp>
+        <p:nvSpPr>
+          <p:cNvPr id="8" name="Multiplication Sign 7">
+            <a:extLst>
+              <a:ext uri="{FF2B5EF4-FFF2-40B4-BE49-F238E27FC236}">
+                <a16:creationId xmlns:a16="http://schemas.microsoft.com/office/drawing/2014/main" id="{73DD1694-9F81-418C-8920-D842F3890FAC}"/>
+              </a:ext>
+            </a:extLst>
+          </p:cNvPr>
+          <p:cNvSpPr/>
+          <p:nvPr/>
+        </p:nvSpPr>
+        <p:spPr>
+          <a:xfrm>
+            <a:off x="5566646" y="4044753"/>
+            <a:ext cx="216000" cy="216812"/>
+          </a:xfrm>
+          <a:prstGeom prst="mathMultiply">
+            <a:avLst/>
+          </a:prstGeom>
+          <a:solidFill>
+            <a:schemeClr val="tx1"/>
+          </a:solidFill>
+          <a:ln>
+            <a:solidFill>
+              <a:schemeClr val="tx1"/>
+            </a:solidFill>
+          </a:ln>
+        </p:spPr>
+        <p:style>
+          <a:lnRef idx="2">
+            <a:schemeClr val="accent1">
+              <a:shade val="50000"/>
+            </a:schemeClr>
+          </a:lnRef>
+          <a:fillRef idx="1">
+            <a:schemeClr val="accent1"/>
+          </a:fillRef>
+          <a:effectRef idx="0">
+            <a:schemeClr val="accent1"/>
+          </a:effectRef>
+          <a:fontRef idx="minor">
+            <a:schemeClr val="lt1"/>
+          </a:fontRef>
+        </p:style>
+        <p:txBody>
+          <a:bodyPr rtlCol="0" anchor="ctr"/>
+          <a:lstStyle/>
+          <a:p>
+            <a:pPr algn="ctr"/>
+            <a:endParaRPr lang="LID4096"/>
+          </a:p>
+        </p:txBody>
+      </p:sp>
+      <p:sp>
+        <p:nvSpPr>
+          <p:cNvPr id="9" name="Multiplication Sign 8">
+            <a:extLst>
+              <a:ext uri="{FF2B5EF4-FFF2-40B4-BE49-F238E27FC236}">
+                <a16:creationId xmlns:a16="http://schemas.microsoft.com/office/drawing/2014/main" id="{A0EA9BFE-2546-402F-8640-5B23559C5414}"/>
+              </a:ext>
+            </a:extLst>
+          </p:cNvPr>
+          <p:cNvSpPr/>
+          <p:nvPr/>
+        </p:nvSpPr>
+        <p:spPr>
+          <a:xfrm>
+            <a:off x="4997834" y="4170439"/>
+            <a:ext cx="216000" cy="216812"/>
+          </a:xfrm>
+          <a:prstGeom prst="mathMultiply">
+            <a:avLst/>
+          </a:prstGeom>
+          <a:solidFill>
+            <a:schemeClr val="tx1"/>
+          </a:solidFill>
+          <a:ln>
+            <a:solidFill>
+              <a:schemeClr val="tx1"/>
+            </a:solidFill>
+          </a:ln>
+        </p:spPr>
+        <p:style>
+          <a:lnRef idx="2">
+            <a:schemeClr val="accent1">
+              <a:shade val="50000"/>
+            </a:schemeClr>
+          </a:lnRef>
+          <a:fillRef idx="1">
+            <a:schemeClr val="accent1"/>
+          </a:fillRef>
+          <a:effectRef idx="0">
+            <a:schemeClr val="accent1"/>
+          </a:effectRef>
+          <a:fontRef idx="minor">
+            <a:schemeClr val="lt1"/>
+          </a:fontRef>
+        </p:style>
+        <p:txBody>
+          <a:bodyPr rtlCol="0" anchor="ctr"/>
+          <a:lstStyle/>
+          <a:p>
+            <a:pPr algn="ctr"/>
+            <a:endParaRPr lang="LID4096"/>
+          </a:p>
+        </p:txBody>
+      </p:sp>
+      <p:sp>
+        <p:nvSpPr>
+          <p:cNvPr id="10" name="Multiplication Sign 9">
+            <a:extLst>
+              <a:ext uri="{FF2B5EF4-FFF2-40B4-BE49-F238E27FC236}">
+                <a16:creationId xmlns:a16="http://schemas.microsoft.com/office/drawing/2014/main" id="{8890BFF8-3E58-499D-B91E-15B1CADA2668}"/>
+              </a:ext>
+            </a:extLst>
+          </p:cNvPr>
+          <p:cNvSpPr/>
+          <p:nvPr/>
+        </p:nvSpPr>
+        <p:spPr>
+          <a:xfrm>
+            <a:off x="5782646" y="4327555"/>
+            <a:ext cx="216000" cy="216812"/>
+          </a:xfrm>
+          <a:prstGeom prst="mathMultiply">
+            <a:avLst/>
+          </a:prstGeom>
+          <a:solidFill>
+            <a:schemeClr val="tx1"/>
+          </a:solidFill>
+          <a:ln>
+            <a:solidFill>
+              <a:schemeClr val="tx1"/>
+            </a:solidFill>
+          </a:ln>
+        </p:spPr>
+        <p:style>
+          <a:lnRef idx="2">
+            <a:schemeClr val="accent1">
+              <a:shade val="50000"/>
+            </a:schemeClr>
+          </a:lnRef>
+          <a:fillRef idx="1">
+            <a:schemeClr val="accent1"/>
+          </a:fillRef>
+          <a:effectRef idx="0">
+            <a:schemeClr val="accent1"/>
+          </a:effectRef>
+          <a:fontRef idx="minor">
+            <a:schemeClr val="lt1"/>
+          </a:fontRef>
+        </p:style>
+        <p:txBody>
+          <a:bodyPr rtlCol="0" anchor="ctr"/>
+          <a:lstStyle/>
+          <a:p>
+            <a:pPr algn="ctr"/>
+            <a:endParaRPr lang="LID4096"/>
+          </a:p>
+        </p:txBody>
+      </p:sp>
+      <p:sp>
+        <p:nvSpPr>
+          <p:cNvPr id="11" name="Multiplication Sign 10">
+            <a:extLst>
+              <a:ext uri="{FF2B5EF4-FFF2-40B4-BE49-F238E27FC236}">
+                <a16:creationId xmlns:a16="http://schemas.microsoft.com/office/drawing/2014/main" id="{A0AAA447-4AB6-4532-8009-12E25E01AC1C}"/>
+              </a:ext>
+            </a:extLst>
+          </p:cNvPr>
+          <p:cNvSpPr/>
+          <p:nvPr/>
+        </p:nvSpPr>
+        <p:spPr>
+          <a:xfrm>
+            <a:off x="4934265" y="4552328"/>
+            <a:ext cx="216000" cy="216812"/>
+          </a:xfrm>
+          <a:prstGeom prst="mathMultiply">
+            <a:avLst/>
+          </a:prstGeom>
+          <a:solidFill>
+            <a:schemeClr val="tx1"/>
+          </a:solidFill>
+          <a:ln>
+            <a:solidFill>
+              <a:schemeClr val="tx1"/>
+            </a:solidFill>
+          </a:ln>
+        </p:spPr>
+        <p:style>
+          <a:lnRef idx="2">
+            <a:schemeClr val="accent1">
+              <a:shade val="50000"/>
+            </a:schemeClr>
+          </a:lnRef>
+          <a:fillRef idx="1">
+            <a:schemeClr val="accent1"/>
+          </a:fillRef>
+          <a:effectRef idx="0">
+            <a:schemeClr val="accent1"/>
+          </a:effectRef>
+          <a:fontRef idx="minor">
+            <a:schemeClr val="lt1"/>
+          </a:fontRef>
+        </p:style>
+        <p:txBody>
+          <a:bodyPr rtlCol="0" anchor="ctr"/>
+          <a:lstStyle/>
+          <a:p>
+            <a:pPr algn="ctr"/>
+            <a:endParaRPr lang="LID4096"/>
+          </a:p>
+        </p:txBody>
+      </p:sp>
+      <p:sp>
+        <p:nvSpPr>
+          <p:cNvPr id="12" name="Multiplication Sign 11">
+            <a:extLst>
+              <a:ext uri="{FF2B5EF4-FFF2-40B4-BE49-F238E27FC236}">
+                <a16:creationId xmlns:a16="http://schemas.microsoft.com/office/drawing/2014/main" id="{FD8F9A1C-CCF9-4601-9954-71B6F7C8767D}"/>
+              </a:ext>
+            </a:extLst>
+          </p:cNvPr>
+          <p:cNvSpPr/>
+          <p:nvPr/>
+        </p:nvSpPr>
+        <p:spPr>
+          <a:xfrm>
+            <a:off x="6217649" y="3694806"/>
+            <a:ext cx="216000" cy="216812"/>
+          </a:xfrm>
+          <a:prstGeom prst="mathMultiply">
+            <a:avLst/>
+          </a:prstGeom>
+          <a:solidFill>
+            <a:schemeClr val="tx1"/>
+          </a:solidFill>
+          <a:ln>
+            <a:solidFill>
+              <a:schemeClr val="tx1"/>
+            </a:solidFill>
+          </a:ln>
+        </p:spPr>
+        <p:style>
+          <a:lnRef idx="2">
+            <a:schemeClr val="accent1">
+              <a:shade val="50000"/>
+            </a:schemeClr>
+          </a:lnRef>
+          <a:fillRef idx="1">
+            <a:schemeClr val="accent1"/>
+          </a:fillRef>
+          <a:effectRef idx="0">
+            <a:schemeClr val="accent1"/>
+          </a:effectRef>
+          <a:fontRef idx="minor">
+            <a:schemeClr val="lt1"/>
+          </a:fontRef>
+        </p:style>
+        <p:txBody>
+          <a:bodyPr rtlCol="0" anchor="ctr"/>
+          <a:lstStyle/>
+          <a:p>
+            <a:pPr algn="ctr"/>
+            <a:endParaRPr lang="LID4096"/>
+          </a:p>
+        </p:txBody>
+      </p:sp>
+      <p:sp>
+        <p:nvSpPr>
+          <p:cNvPr id="13" name="Multiplication Sign 12">
+            <a:extLst>
+              <a:ext uri="{FF2B5EF4-FFF2-40B4-BE49-F238E27FC236}">
+                <a16:creationId xmlns:a16="http://schemas.microsoft.com/office/drawing/2014/main" id="{FF1E5347-8512-4BC8-A06B-AC977EEE6978}"/>
+              </a:ext>
+            </a:extLst>
+          </p:cNvPr>
+          <p:cNvSpPr/>
+          <p:nvPr/>
+        </p:nvSpPr>
+        <p:spPr>
+          <a:xfrm>
+            <a:off x="6349624" y="3195192"/>
+            <a:ext cx="216000" cy="216812"/>
+          </a:xfrm>
+          <a:prstGeom prst="mathMultiply">
+            <a:avLst/>
+          </a:prstGeom>
+          <a:solidFill>
+            <a:schemeClr val="tx1"/>
+          </a:solidFill>
+          <a:ln>
+            <a:solidFill>
+              <a:schemeClr val="tx1"/>
+            </a:solidFill>
+          </a:ln>
+        </p:spPr>
+        <p:style>
+          <a:lnRef idx="2">
+            <a:schemeClr val="accent1">
+              <a:shade val="50000"/>
+            </a:schemeClr>
+          </a:lnRef>
+          <a:fillRef idx="1">
+            <a:schemeClr val="accent1"/>
+          </a:fillRef>
+          <a:effectRef idx="0">
+            <a:schemeClr val="accent1"/>
+          </a:effectRef>
+          <a:fontRef idx="minor">
+            <a:schemeClr val="lt1"/>
+          </a:fontRef>
+        </p:style>
+        <p:txBody>
+          <a:bodyPr rtlCol="0" anchor="ctr"/>
+          <a:lstStyle/>
+          <a:p>
+            <a:pPr algn="ctr"/>
+            <a:endParaRPr lang="LID4096"/>
+          </a:p>
+        </p:txBody>
+      </p:sp>
+      <p:sp>
+        <p:nvSpPr>
+          <p:cNvPr id="14" name="Multiplication Sign 13">
+            <a:extLst>
+              <a:ext uri="{FF2B5EF4-FFF2-40B4-BE49-F238E27FC236}">
+                <a16:creationId xmlns:a16="http://schemas.microsoft.com/office/drawing/2014/main" id="{9C385442-8D13-4B4E-91B7-1CC2C91D4394}"/>
+              </a:ext>
+            </a:extLst>
+          </p:cNvPr>
+          <p:cNvSpPr/>
+          <p:nvPr/>
+        </p:nvSpPr>
+        <p:spPr>
+          <a:xfrm>
+            <a:off x="5780812" y="3320878"/>
+            <a:ext cx="216000" cy="216812"/>
+          </a:xfrm>
+          <a:prstGeom prst="mathMultiply">
+            <a:avLst/>
+          </a:prstGeom>
+          <a:solidFill>
+            <a:schemeClr val="tx1"/>
+          </a:solidFill>
+          <a:ln>
+            <a:solidFill>
+              <a:schemeClr val="tx1"/>
+            </a:solidFill>
+          </a:ln>
+        </p:spPr>
+        <p:style>
+          <a:lnRef idx="2">
+            <a:schemeClr val="accent1">
+              <a:shade val="50000"/>
+            </a:schemeClr>
+          </a:lnRef>
+          <a:fillRef idx="1">
+            <a:schemeClr val="accent1"/>
+          </a:fillRef>
+          <a:effectRef idx="0">
+            <a:schemeClr val="accent1"/>
+          </a:effectRef>
+          <a:fontRef idx="minor">
+            <a:schemeClr val="lt1"/>
+          </a:fontRef>
+        </p:style>
+        <p:txBody>
+          <a:bodyPr rtlCol="0" anchor="ctr"/>
+          <a:lstStyle/>
+          <a:p>
+            <a:pPr algn="ctr"/>
+            <a:endParaRPr lang="LID4096"/>
+          </a:p>
+        </p:txBody>
+      </p:sp>
+      <p:sp>
+        <p:nvSpPr>
+          <p:cNvPr id="15" name="Multiplication Sign 14">
+            <a:extLst>
+              <a:ext uri="{FF2B5EF4-FFF2-40B4-BE49-F238E27FC236}">
+                <a16:creationId xmlns:a16="http://schemas.microsoft.com/office/drawing/2014/main" id="{C37BAEE6-A813-4B0A-9F18-6A4BA07F230F}"/>
+              </a:ext>
+            </a:extLst>
+          </p:cNvPr>
+          <p:cNvSpPr/>
+          <p:nvPr/>
+        </p:nvSpPr>
+        <p:spPr>
+          <a:xfrm>
+            <a:off x="6565624" y="3477994"/>
+            <a:ext cx="216000" cy="216812"/>
+          </a:xfrm>
+          <a:prstGeom prst="mathMultiply">
+            <a:avLst/>
+          </a:prstGeom>
+          <a:solidFill>
+            <a:schemeClr val="tx1"/>
+          </a:solidFill>
+          <a:ln>
+            <a:solidFill>
+              <a:schemeClr val="tx1"/>
+            </a:solidFill>
+          </a:ln>
+        </p:spPr>
+        <p:style>
+          <a:lnRef idx="2">
+            <a:schemeClr val="accent1">
+              <a:shade val="50000"/>
+            </a:schemeClr>
+          </a:lnRef>
+          <a:fillRef idx="1">
+            <a:schemeClr val="accent1"/>
+          </a:fillRef>
+          <a:effectRef idx="0">
+            <a:schemeClr val="accent1"/>
+          </a:effectRef>
+          <a:fontRef idx="minor">
+            <a:schemeClr val="lt1"/>
+          </a:fontRef>
+        </p:style>
+        <p:txBody>
+          <a:bodyPr rtlCol="0" anchor="ctr"/>
+          <a:lstStyle/>
+          <a:p>
+            <a:pPr algn="ctr"/>
+            <a:endParaRPr lang="LID4096"/>
+          </a:p>
+        </p:txBody>
+      </p:sp>
+      <p:sp>
+        <p:nvSpPr>
+          <p:cNvPr id="16" name="Multiplication Sign 15">
+            <a:extLst>
+              <a:ext uri="{FF2B5EF4-FFF2-40B4-BE49-F238E27FC236}">
+                <a16:creationId xmlns:a16="http://schemas.microsoft.com/office/drawing/2014/main" id="{B1239BDF-EE2A-4B40-AF20-03EF0F4A4B64}"/>
+              </a:ext>
+            </a:extLst>
+          </p:cNvPr>
+          <p:cNvSpPr/>
+          <p:nvPr/>
+        </p:nvSpPr>
+        <p:spPr>
+          <a:xfrm>
+            <a:off x="5717243" y="3702767"/>
+            <a:ext cx="216000" cy="216812"/>
+          </a:xfrm>
+          <a:prstGeom prst="mathMultiply">
+            <a:avLst/>
+          </a:prstGeom>
+          <a:solidFill>
+            <a:schemeClr val="tx1"/>
+          </a:solidFill>
+          <a:ln>
+            <a:solidFill>
+              <a:schemeClr val="tx1"/>
+            </a:solidFill>
+          </a:ln>
+        </p:spPr>
+        <p:style>
+          <a:lnRef idx="2">
+            <a:schemeClr val="accent1">
+              <a:shade val="50000"/>
+            </a:schemeClr>
+          </a:lnRef>
+          <a:fillRef idx="1">
+            <a:schemeClr val="accent1"/>
+          </a:fillRef>
+          <a:effectRef idx="0">
+            <a:schemeClr val="accent1"/>
+          </a:effectRef>
+          <a:fontRef idx="minor">
+            <a:schemeClr val="lt1"/>
+          </a:fontRef>
+        </p:style>
+        <p:txBody>
+          <a:bodyPr rtlCol="0" anchor="ctr"/>
+          <a:lstStyle/>
+          <a:p>
+            <a:pPr algn="ctr"/>
+            <a:endParaRPr lang="LID4096"/>
+          </a:p>
+        </p:txBody>
+      </p:sp>
+      <p:sp>
+        <p:nvSpPr>
+          <p:cNvPr id="17" name="Multiplication Sign 16">
+            <a:extLst>
+              <a:ext uri="{FF2B5EF4-FFF2-40B4-BE49-F238E27FC236}">
+                <a16:creationId xmlns:a16="http://schemas.microsoft.com/office/drawing/2014/main" id="{1575DF8E-5BAB-48A5-925E-46F82CD43834}"/>
+              </a:ext>
+            </a:extLst>
+          </p:cNvPr>
+          <p:cNvSpPr/>
+          <p:nvPr/>
+        </p:nvSpPr>
+        <p:spPr>
+          <a:xfrm>
+            <a:off x="6109649" y="4040771"/>
+            <a:ext cx="216000" cy="216812"/>
+          </a:xfrm>
+          <a:prstGeom prst="mathMultiply">
+            <a:avLst/>
+          </a:prstGeom>
+          <a:solidFill>
+            <a:schemeClr val="tx1"/>
+          </a:solidFill>
+          <a:ln>
+            <a:solidFill>
+              <a:schemeClr val="tx1"/>
+            </a:solidFill>
+          </a:ln>
+        </p:spPr>
+        <p:style>
+          <a:lnRef idx="2">
+            <a:schemeClr val="accent1">
+              <a:shade val="50000"/>
+            </a:schemeClr>
+          </a:lnRef>
+          <a:fillRef idx="1">
+            <a:schemeClr val="accent1"/>
+          </a:fillRef>
+          <a:effectRef idx="0">
+            <a:schemeClr val="accent1"/>
+          </a:effectRef>
+          <a:fontRef idx="minor">
+            <a:schemeClr val="lt1"/>
+          </a:fontRef>
+        </p:style>
+        <p:txBody>
+          <a:bodyPr rtlCol="0" anchor="ctr"/>
+          <a:lstStyle/>
+          <a:p>
+            <a:pPr algn="ctr"/>
+            <a:endParaRPr lang="LID4096"/>
+          </a:p>
+        </p:txBody>
+      </p:sp>
+      <p:sp>
+        <p:nvSpPr>
+          <p:cNvPr id="18" name="Multiplication Sign 17">
+            <a:extLst>
+              <a:ext uri="{FF2B5EF4-FFF2-40B4-BE49-F238E27FC236}">
+                <a16:creationId xmlns:a16="http://schemas.microsoft.com/office/drawing/2014/main" id="{DE87551C-8C57-4B8F-913E-AA9F84AF99D4}"/>
+              </a:ext>
+            </a:extLst>
+          </p:cNvPr>
+          <p:cNvSpPr/>
+          <p:nvPr/>
+        </p:nvSpPr>
+        <p:spPr>
+          <a:xfrm>
+            <a:off x="6025624" y="3528371"/>
+            <a:ext cx="216000" cy="216812"/>
+          </a:xfrm>
+          <a:prstGeom prst="mathMultiply">
+            <a:avLst/>
+          </a:prstGeom>
+          <a:solidFill>
+            <a:schemeClr val="tx1"/>
+          </a:solidFill>
+          <a:ln>
+            <a:solidFill>
+              <a:schemeClr val="tx1"/>
+            </a:solidFill>
+          </a:ln>
+        </p:spPr>
+        <p:style>
+          <a:lnRef idx="2">
+            <a:schemeClr val="accent1">
+              <a:shade val="50000"/>
+            </a:schemeClr>
+          </a:lnRef>
+          <a:fillRef idx="1">
+            <a:schemeClr val="accent1"/>
+          </a:fillRef>
+          <a:effectRef idx="0">
+            <a:schemeClr val="accent1"/>
+          </a:effectRef>
+          <a:fontRef idx="minor">
+            <a:schemeClr val="lt1"/>
+          </a:fontRef>
+        </p:style>
+        <p:txBody>
+          <a:bodyPr rtlCol="0" anchor="ctr"/>
+          <a:lstStyle/>
+          <a:p>
+            <a:pPr algn="ctr"/>
+            <a:endParaRPr lang="LID4096"/>
+          </a:p>
+        </p:txBody>
+      </p:sp>
+      <p:sp>
+        <p:nvSpPr>
+          <p:cNvPr id="19" name="Multiplication Sign 18">
+            <a:extLst>
+              <a:ext uri="{FF2B5EF4-FFF2-40B4-BE49-F238E27FC236}">
+                <a16:creationId xmlns:a16="http://schemas.microsoft.com/office/drawing/2014/main" id="{3DF03390-C617-457C-8395-83422BE8B676}"/>
+              </a:ext>
+            </a:extLst>
+          </p:cNvPr>
+          <p:cNvSpPr/>
+          <p:nvPr/>
+        </p:nvSpPr>
+        <p:spPr>
+          <a:xfrm>
+            <a:off x="5456812" y="3654057"/>
+            <a:ext cx="216000" cy="216812"/>
+          </a:xfrm>
+          <a:prstGeom prst="mathMultiply">
+            <a:avLst/>
+          </a:prstGeom>
+          <a:solidFill>
+            <a:schemeClr val="tx1"/>
+          </a:solidFill>
+          <a:ln>
+            <a:solidFill>
+              <a:schemeClr val="tx1"/>
+            </a:solidFill>
+          </a:ln>
+        </p:spPr>
+        <p:style>
+          <a:lnRef idx="2">
+            <a:schemeClr val="accent1">
+              <a:shade val="50000"/>
+            </a:schemeClr>
+          </a:lnRef>
+          <a:fillRef idx="1">
+            <a:schemeClr val="accent1"/>
+          </a:fillRef>
+          <a:effectRef idx="0">
+            <a:schemeClr val="accent1"/>
+          </a:effectRef>
+          <a:fontRef idx="minor">
+            <a:schemeClr val="lt1"/>
+          </a:fontRef>
+        </p:style>
+        <p:txBody>
+          <a:bodyPr rtlCol="0" anchor="ctr"/>
+          <a:lstStyle/>
+          <a:p>
+            <a:pPr algn="ctr"/>
+            <a:endParaRPr lang="LID4096"/>
+          </a:p>
+        </p:txBody>
+      </p:sp>
+      <p:sp>
+        <p:nvSpPr>
+          <p:cNvPr id="20" name="Multiplication Sign 19">
+            <a:extLst>
+              <a:ext uri="{FF2B5EF4-FFF2-40B4-BE49-F238E27FC236}">
+                <a16:creationId xmlns:a16="http://schemas.microsoft.com/office/drawing/2014/main" id="{90C4C0C6-7D42-4A7F-8466-A01F8261AF0A}"/>
+              </a:ext>
+            </a:extLst>
+          </p:cNvPr>
+          <p:cNvSpPr/>
+          <p:nvPr/>
+        </p:nvSpPr>
+        <p:spPr>
+          <a:xfrm>
+            <a:off x="6593118" y="3870869"/>
+            <a:ext cx="216000" cy="216812"/>
+          </a:xfrm>
+          <a:prstGeom prst="mathMultiply">
+            <a:avLst/>
+          </a:prstGeom>
+          <a:solidFill>
+            <a:schemeClr val="tx1"/>
+          </a:solidFill>
+          <a:ln>
+            <a:solidFill>
+              <a:schemeClr val="tx1"/>
+            </a:solidFill>
+          </a:ln>
+        </p:spPr>
+        <p:style>
+          <a:lnRef idx="2">
+            <a:schemeClr val="accent1">
+              <a:shade val="50000"/>
+            </a:schemeClr>
+          </a:lnRef>
+          <a:fillRef idx="1">
+            <a:schemeClr val="accent1"/>
+          </a:fillRef>
+          <a:effectRef idx="0">
+            <a:schemeClr val="accent1"/>
+          </a:effectRef>
+          <a:fontRef idx="minor">
+            <a:schemeClr val="lt1"/>
+          </a:fontRef>
+        </p:style>
+        <p:txBody>
+          <a:bodyPr rtlCol="0" anchor="ctr"/>
+          <a:lstStyle/>
+          <a:p>
+            <a:pPr algn="ctr"/>
+            <a:endParaRPr lang="LID4096"/>
+          </a:p>
+        </p:txBody>
+      </p:sp>
+      <p:sp>
+        <p:nvSpPr>
+          <p:cNvPr id="21" name="Multiplication Sign 20">
+            <a:extLst>
+              <a:ext uri="{FF2B5EF4-FFF2-40B4-BE49-F238E27FC236}">
+                <a16:creationId xmlns:a16="http://schemas.microsoft.com/office/drawing/2014/main" id="{B1854907-99A9-4235-BD01-043A1A1DBB9B}"/>
+              </a:ext>
+            </a:extLst>
+          </p:cNvPr>
+          <p:cNvSpPr/>
+          <p:nvPr/>
+        </p:nvSpPr>
+        <p:spPr>
+          <a:xfrm>
+            <a:off x="5996812" y="2942465"/>
+            <a:ext cx="216000" cy="216812"/>
+          </a:xfrm>
+          <a:prstGeom prst="mathMultiply">
+            <a:avLst/>
+          </a:prstGeom>
+          <a:solidFill>
+            <a:schemeClr val="tx1"/>
+          </a:solidFill>
+          <a:ln>
+            <a:solidFill>
+              <a:schemeClr val="tx1"/>
+            </a:solidFill>
+          </a:ln>
+        </p:spPr>
+        <p:style>
+          <a:lnRef idx="2">
+            <a:schemeClr val="accent1">
+              <a:shade val="50000"/>
+            </a:schemeClr>
+          </a:lnRef>
+          <a:fillRef idx="1">
+            <a:schemeClr val="accent1"/>
+          </a:fillRef>
+          <a:effectRef idx="0">
+            <a:schemeClr val="accent1"/>
+          </a:effectRef>
+          <a:fontRef idx="minor">
+            <a:schemeClr val="lt1"/>
+          </a:fontRef>
+        </p:style>
+        <p:txBody>
+          <a:bodyPr rtlCol="0" anchor="ctr"/>
+          <a:lstStyle/>
+          <a:p>
+            <a:pPr algn="ctr"/>
+            <a:endParaRPr lang="LID4096"/>
+          </a:p>
+        </p:txBody>
+      </p:sp>
+      <p:grpSp>
+        <p:nvGrpSpPr>
+          <p:cNvPr id="27" name="Group 26">
+            <a:extLst>
+              <a:ext uri="{FF2B5EF4-FFF2-40B4-BE49-F238E27FC236}">
+                <a16:creationId xmlns:a16="http://schemas.microsoft.com/office/drawing/2014/main" id="{917FB4B5-42BE-44E5-B45B-043E5F338B7F}"/>
+              </a:ext>
+            </a:extLst>
+          </p:cNvPr>
+          <p:cNvGrpSpPr/>
+          <p:nvPr/>
+        </p:nvGrpSpPr>
+        <p:grpSpPr>
+          <a:xfrm flipH="1">
+            <a:off x="4456000" y="3878458"/>
+            <a:ext cx="1064381" cy="724387"/>
+            <a:chOff x="4768416" y="4273683"/>
+            <a:chExt cx="1064381" cy="724387"/>
+          </a:xfrm>
+        </p:grpSpPr>
+        <p:sp>
+          <p:nvSpPr>
+            <p:cNvPr id="22" name="Multiplication Sign 21">
+              <a:extLst>
+                <a:ext uri="{FF2B5EF4-FFF2-40B4-BE49-F238E27FC236}">
+                  <a16:creationId xmlns:a16="http://schemas.microsoft.com/office/drawing/2014/main" id="{5C2A98D7-514B-4271-BBD6-BBDC11EBDD9F}"/>
+                </a:ext>
+              </a:extLst>
+            </p:cNvPr>
+            <p:cNvSpPr/>
+            <p:nvPr/>
+          </p:nvSpPr>
+          <p:spPr>
+            <a:xfrm>
+              <a:off x="5268822" y="4773297"/>
+              <a:ext cx="216000" cy="216812"/>
+            </a:xfrm>
+            <a:prstGeom prst="mathMultiply">
+              <a:avLst/>
+            </a:prstGeom>
+            <a:solidFill>
+              <a:schemeClr val="tx1"/>
+            </a:solidFill>
+            <a:ln>
+              <a:solidFill>
+                <a:schemeClr val="tx1"/>
+              </a:solidFill>
+            </a:ln>
+          </p:spPr>
+          <p:style>
+            <a:lnRef idx="2">
+              <a:schemeClr val="accent1">
+                <a:shade val="50000"/>
+              </a:schemeClr>
+            </a:lnRef>
+            <a:fillRef idx="1">
+              <a:schemeClr val="accent1"/>
+            </a:fillRef>
+            <a:effectRef idx="0">
+              <a:schemeClr val="accent1"/>
+            </a:effectRef>
+            <a:fontRef idx="minor">
+              <a:schemeClr val="lt1"/>
+            </a:fontRef>
+          </p:style>
+          <p:txBody>
+            <a:bodyPr rtlCol="0" anchor="ctr"/>
+            <a:lstStyle/>
+            <a:p>
+              <a:pPr algn="ctr"/>
+              <a:endParaRPr lang="LID4096"/>
+            </a:p>
+          </p:txBody>
+        </p:sp>
+        <p:sp>
+          <p:nvSpPr>
+            <p:cNvPr id="23" name="Multiplication Sign 22">
+              <a:extLst>
+                <a:ext uri="{FF2B5EF4-FFF2-40B4-BE49-F238E27FC236}">
+                  <a16:creationId xmlns:a16="http://schemas.microsoft.com/office/drawing/2014/main" id="{E2A6DB12-337D-44F0-922F-22CFA0BEE8F8}"/>
+                </a:ext>
+              </a:extLst>
+            </p:cNvPr>
+            <p:cNvSpPr/>
+            <p:nvPr/>
+          </p:nvSpPr>
+          <p:spPr>
+            <a:xfrm>
+              <a:off x="5400797" y="4273683"/>
+              <a:ext cx="216000" cy="216812"/>
+            </a:xfrm>
+            <a:prstGeom prst="mathMultiply">
+              <a:avLst/>
+            </a:prstGeom>
+            <a:solidFill>
+              <a:schemeClr val="tx1"/>
+            </a:solidFill>
+            <a:ln>
+              <a:solidFill>
+                <a:schemeClr val="tx1"/>
+              </a:solidFill>
+            </a:ln>
+          </p:spPr>
+          <p:style>
+            <a:lnRef idx="2">
+              <a:schemeClr val="accent1">
+                <a:shade val="50000"/>
+              </a:schemeClr>
+            </a:lnRef>
+            <a:fillRef idx="1">
+              <a:schemeClr val="accent1"/>
+            </a:fillRef>
+            <a:effectRef idx="0">
+              <a:schemeClr val="accent1"/>
+            </a:effectRef>
+            <a:fontRef idx="minor">
+              <a:schemeClr val="lt1"/>
+            </a:fontRef>
+          </p:style>
+          <p:txBody>
+            <a:bodyPr rtlCol="0" anchor="ctr"/>
+            <a:lstStyle/>
+            <a:p>
+              <a:pPr algn="ctr"/>
+              <a:endParaRPr lang="LID4096"/>
+            </a:p>
+          </p:txBody>
+        </p:sp>
+        <p:sp>
+          <p:nvSpPr>
+            <p:cNvPr id="24" name="Multiplication Sign 23">
+              <a:extLst>
+                <a:ext uri="{FF2B5EF4-FFF2-40B4-BE49-F238E27FC236}">
+                  <a16:creationId xmlns:a16="http://schemas.microsoft.com/office/drawing/2014/main" id="{9E98ECE0-3C8A-48FF-BDE6-7EA521862491}"/>
+                </a:ext>
+              </a:extLst>
+            </p:cNvPr>
+            <p:cNvSpPr/>
+            <p:nvPr/>
+          </p:nvSpPr>
+          <p:spPr>
+            <a:xfrm>
+              <a:off x="4831985" y="4399369"/>
+              <a:ext cx="216000" cy="216812"/>
+            </a:xfrm>
+            <a:prstGeom prst="mathMultiply">
+              <a:avLst/>
+            </a:prstGeom>
+            <a:solidFill>
+              <a:schemeClr val="tx1"/>
+            </a:solidFill>
+            <a:ln>
+              <a:solidFill>
+                <a:schemeClr val="tx1"/>
+              </a:solidFill>
+            </a:ln>
+          </p:spPr>
+          <p:style>
+            <a:lnRef idx="2">
+              <a:schemeClr val="accent1">
+                <a:shade val="50000"/>
+              </a:schemeClr>
+            </a:lnRef>
+            <a:fillRef idx="1">
+              <a:schemeClr val="accent1"/>
+            </a:fillRef>
+            <a:effectRef idx="0">
+              <a:schemeClr val="accent1"/>
+            </a:effectRef>
+            <a:fontRef idx="minor">
+              <a:schemeClr val="lt1"/>
+            </a:fontRef>
+          </p:style>
+          <p:txBody>
+            <a:bodyPr rtlCol="0" anchor="ctr"/>
+            <a:lstStyle/>
+            <a:p>
+              <a:pPr algn="ctr"/>
+              <a:endParaRPr lang="LID4096"/>
+            </a:p>
+          </p:txBody>
+        </p:sp>
+        <p:sp>
+          <p:nvSpPr>
+            <p:cNvPr id="25" name="Multiplication Sign 24">
+              <a:extLst>
+                <a:ext uri="{FF2B5EF4-FFF2-40B4-BE49-F238E27FC236}">
+                  <a16:creationId xmlns:a16="http://schemas.microsoft.com/office/drawing/2014/main" id="{099C599C-7003-4433-970B-906D115F2A25}"/>
+                </a:ext>
+              </a:extLst>
+            </p:cNvPr>
+            <p:cNvSpPr/>
+            <p:nvPr/>
+          </p:nvSpPr>
+          <p:spPr>
+            <a:xfrm>
+              <a:off x="5616797" y="4556485"/>
+              <a:ext cx="216000" cy="216812"/>
+            </a:xfrm>
+            <a:prstGeom prst="mathMultiply">
+              <a:avLst/>
+            </a:prstGeom>
+            <a:solidFill>
+              <a:schemeClr val="tx1"/>
+            </a:solidFill>
+            <a:ln>
+              <a:solidFill>
+                <a:schemeClr val="tx1"/>
+              </a:solidFill>
+            </a:ln>
+          </p:spPr>
+          <p:style>
+            <a:lnRef idx="2">
+              <a:schemeClr val="accent1">
+                <a:shade val="50000"/>
+              </a:schemeClr>
+            </a:lnRef>
+            <a:fillRef idx="1">
+              <a:schemeClr val="accent1"/>
+            </a:fillRef>
+            <a:effectRef idx="0">
+              <a:schemeClr val="accent1"/>
+            </a:effectRef>
+            <a:fontRef idx="minor">
+              <a:schemeClr val="lt1"/>
+            </a:fontRef>
+          </p:style>
+          <p:txBody>
+            <a:bodyPr rtlCol="0" anchor="ctr"/>
+            <a:lstStyle/>
+            <a:p>
+              <a:pPr algn="ctr"/>
+              <a:endParaRPr lang="LID4096"/>
+            </a:p>
+          </p:txBody>
+        </p:sp>
+        <p:sp>
+          <p:nvSpPr>
+            <p:cNvPr id="26" name="Multiplication Sign 25">
+              <a:extLst>
+                <a:ext uri="{FF2B5EF4-FFF2-40B4-BE49-F238E27FC236}">
+                  <a16:creationId xmlns:a16="http://schemas.microsoft.com/office/drawing/2014/main" id="{B9A83545-79DF-4379-9656-2087D73DF493}"/>
+                </a:ext>
+              </a:extLst>
+            </p:cNvPr>
+            <p:cNvSpPr/>
+            <p:nvPr/>
+          </p:nvSpPr>
+          <p:spPr>
+            <a:xfrm>
+              <a:off x="4768416" y="4781258"/>
+              <a:ext cx="216000" cy="216812"/>
+            </a:xfrm>
+            <a:prstGeom prst="mathMultiply">
+              <a:avLst/>
+            </a:prstGeom>
+            <a:solidFill>
+              <a:schemeClr val="tx1"/>
+            </a:solidFill>
+            <a:ln>
+              <a:solidFill>
+                <a:schemeClr val="tx1"/>
+              </a:solidFill>
+            </a:ln>
+          </p:spPr>
+          <p:style>
+            <a:lnRef idx="2">
+              <a:schemeClr val="accent1">
+                <a:shade val="50000"/>
+              </a:schemeClr>
+            </a:lnRef>
+            <a:fillRef idx="1">
+              <a:schemeClr val="accent1"/>
+            </a:fillRef>
+            <a:effectRef idx="0">
+              <a:schemeClr val="accent1"/>
+            </a:effectRef>
+            <a:fontRef idx="minor">
+              <a:schemeClr val="lt1"/>
+            </a:fontRef>
+          </p:style>
+          <p:txBody>
+            <a:bodyPr rtlCol="0" anchor="ctr"/>
+            <a:lstStyle/>
+            <a:p>
+              <a:pPr algn="ctr"/>
+              <a:endParaRPr lang="LID4096"/>
+            </a:p>
+          </p:txBody>
+        </p:sp>
+      </p:grpSp>
+      <p:sp>
+        <p:nvSpPr>
+          <p:cNvPr id="3" name="TextBox 2">
+            <a:extLst>
+              <a:ext uri="{FF2B5EF4-FFF2-40B4-BE49-F238E27FC236}">
+                <a16:creationId xmlns:a16="http://schemas.microsoft.com/office/drawing/2014/main" id="{B8B96518-BAE1-4BF0-A4C4-BFE0F81C15C4}"/>
+              </a:ext>
+            </a:extLst>
+          </p:cNvPr>
+          <p:cNvSpPr txBox="1"/>
+          <p:nvPr/>
+        </p:nvSpPr>
+        <p:spPr>
+          <a:xfrm>
+            <a:off x="7943148" y="5301390"/>
+            <a:ext cx="1574276" cy="369332"/>
+          </a:xfrm>
+          <a:prstGeom prst="rect">
+            <a:avLst/>
+          </a:prstGeom>
+          <a:noFill/>
+        </p:spPr>
+        <p:txBody>
+          <a:bodyPr wrap="square" rtlCol="0">
+            <a:spAutoFit/>
+          </a:bodyPr>
+          <a:lstStyle/>
+          <a:p>
+            <a:r>
+              <a:rPr lang="en-US" dirty="0"/>
+              <a:t>Sleeping hours</a:t>
+            </a:r>
+            <a:endParaRPr lang="LID4096" dirty="0"/>
+          </a:p>
+        </p:txBody>
+      </p:sp>
+      <p:sp>
+        <p:nvSpPr>
+          <p:cNvPr id="28" name="TextBox 27">
+            <a:extLst>
+              <a:ext uri="{FF2B5EF4-FFF2-40B4-BE49-F238E27FC236}">
+                <a16:creationId xmlns:a16="http://schemas.microsoft.com/office/drawing/2014/main" id="{42BF8729-E683-4A3A-B192-2D6B51F7EEBB}"/>
+              </a:ext>
+            </a:extLst>
+          </p:cNvPr>
+          <p:cNvSpPr txBox="1"/>
+          <p:nvPr/>
+        </p:nvSpPr>
+        <p:spPr>
+          <a:xfrm>
+            <a:off x="3052450" y="1879496"/>
+            <a:ext cx="1814251" cy="369332"/>
+          </a:xfrm>
+          <a:prstGeom prst="rect">
+            <a:avLst/>
+          </a:prstGeom>
+          <a:noFill/>
+        </p:spPr>
+        <p:txBody>
+          <a:bodyPr wrap="square" rtlCol="0">
+            <a:spAutoFit/>
+          </a:bodyPr>
+          <a:lstStyle/>
+          <a:p>
+            <a:r>
+              <a:rPr lang="en-US" dirty="0"/>
+              <a:t>Depression level</a:t>
+            </a:r>
+            <a:endParaRPr lang="LID4096" dirty="0"/>
+          </a:p>
+        </p:txBody>
+      </p:sp>
+      <p:cxnSp>
+        <p:nvCxnSpPr>
+          <p:cNvPr id="29" name="Straight Connector 28">
+            <a:extLst>
+              <a:ext uri="{FF2B5EF4-FFF2-40B4-BE49-F238E27FC236}">
+                <a16:creationId xmlns:a16="http://schemas.microsoft.com/office/drawing/2014/main" id="{E9C73081-1D2D-4AE4-AC3B-57763DE43B4E}"/>
+              </a:ext>
+            </a:extLst>
+          </p:cNvPr>
+          <p:cNvCxnSpPr>
+            <a:cxnSpLocks/>
+          </p:cNvCxnSpPr>
+          <p:nvPr/>
+        </p:nvCxnSpPr>
+        <p:spPr>
+          <a:xfrm flipV="1">
+            <a:off x="3780149" y="2856322"/>
+            <a:ext cx="3780149" cy="2215299"/>
+          </a:xfrm>
+          <a:prstGeom prst="line">
+            <a:avLst/>
+          </a:prstGeom>
+          <a:ln w="25400"/>
+        </p:spPr>
+        <p:style>
+          <a:lnRef idx="1">
+            <a:schemeClr val="accent1"/>
+          </a:lnRef>
+          <a:fillRef idx="0">
+            <a:schemeClr val="accent1"/>
+          </a:fillRef>
+          <a:effectRef idx="0">
+            <a:schemeClr val="accent1"/>
+          </a:effectRef>
+          <a:fontRef idx="minor">
+            <a:schemeClr val="tx1"/>
+          </a:fontRef>
+        </p:style>
+      </p:cxnSp>
+      <p:cxnSp>
+        <p:nvCxnSpPr>
+          <p:cNvPr id="30" name="Straight Connector 29">
+            <a:extLst>
+              <a:ext uri="{FF2B5EF4-FFF2-40B4-BE49-F238E27FC236}">
+                <a16:creationId xmlns:a16="http://schemas.microsoft.com/office/drawing/2014/main" id="{1DECC6EA-6F32-430E-8571-C2DE19C752E0}"/>
+              </a:ext>
+            </a:extLst>
+          </p:cNvPr>
+          <p:cNvCxnSpPr>
+            <a:cxnSpLocks/>
+            <a:stCxn id="25" idx="3"/>
+          </p:cNvCxnSpPr>
+          <p:nvPr/>
+        </p:nvCxnSpPr>
+        <p:spPr>
+          <a:xfrm>
+            <a:off x="4620122" y="4325999"/>
+            <a:ext cx="113092" cy="178378"/>
+          </a:xfrm>
+          <a:prstGeom prst="line">
+            <a:avLst/>
+          </a:prstGeom>
+          <a:ln w="19050">
+            <a:solidFill>
+              <a:schemeClr val="tx1">
+                <a:lumMod val="65000"/>
+                <a:lumOff val="35000"/>
+              </a:schemeClr>
+            </a:solidFill>
+          </a:ln>
+        </p:spPr>
+        <p:style>
+          <a:lnRef idx="1">
+            <a:schemeClr val="accent1"/>
+          </a:lnRef>
+          <a:fillRef idx="0">
+            <a:schemeClr val="accent1"/>
+          </a:fillRef>
+          <a:effectRef idx="0">
+            <a:schemeClr val="accent1"/>
+          </a:effectRef>
+          <a:fontRef idx="minor">
+            <a:schemeClr val="tx1"/>
+          </a:fontRef>
+        </p:style>
+      </p:cxnSp>
+      <p:cxnSp>
+        <p:nvCxnSpPr>
+          <p:cNvPr id="33" name="Straight Connector 32">
+            <a:extLst>
+              <a:ext uri="{FF2B5EF4-FFF2-40B4-BE49-F238E27FC236}">
+                <a16:creationId xmlns:a16="http://schemas.microsoft.com/office/drawing/2014/main" id="{DB46AE2C-3564-426F-9D71-2080E82D03CE}"/>
+              </a:ext>
+            </a:extLst>
+          </p:cNvPr>
+          <p:cNvCxnSpPr>
+            <a:cxnSpLocks/>
+            <a:stCxn id="7" idx="0"/>
+          </p:cNvCxnSpPr>
+          <p:nvPr/>
+        </p:nvCxnSpPr>
+        <p:spPr>
+          <a:xfrm flipH="1" flipV="1">
+            <a:off x="5249464" y="4220956"/>
+            <a:ext cx="237085" cy="375484"/>
+          </a:xfrm>
+          <a:prstGeom prst="line">
+            <a:avLst/>
+          </a:prstGeom>
+          <a:ln w="19050">
+            <a:solidFill>
+              <a:schemeClr val="tx1">
+                <a:lumMod val="65000"/>
+                <a:lumOff val="35000"/>
+              </a:schemeClr>
+            </a:solidFill>
+          </a:ln>
+        </p:spPr>
+        <p:style>
+          <a:lnRef idx="1">
+            <a:schemeClr val="accent1"/>
+          </a:lnRef>
+          <a:fillRef idx="0">
+            <a:schemeClr val="accent1"/>
+          </a:fillRef>
+          <a:effectRef idx="0">
+            <a:schemeClr val="accent1"/>
+          </a:effectRef>
+          <a:fontRef idx="minor">
+            <a:schemeClr val="tx1"/>
+          </a:fontRef>
+        </p:style>
+      </p:cxnSp>
+      <p:sp>
+        <p:nvSpPr>
+          <p:cNvPr id="38" name="Oval 37">
+            <a:extLst>
+              <a:ext uri="{FF2B5EF4-FFF2-40B4-BE49-F238E27FC236}">
+                <a16:creationId xmlns:a16="http://schemas.microsoft.com/office/drawing/2014/main" id="{9FC05D2B-89F9-40E5-80E6-10E3E7AD4A6E}"/>
+              </a:ext>
+            </a:extLst>
+          </p:cNvPr>
+          <p:cNvSpPr/>
+          <p:nvPr/>
+        </p:nvSpPr>
+        <p:spPr>
+          <a:xfrm>
+            <a:off x="4676831" y="4444328"/>
+            <a:ext cx="108000" cy="108000"/>
+          </a:xfrm>
+          <a:prstGeom prst="ellipse">
+            <a:avLst/>
+          </a:prstGeom>
+          <a:solidFill>
+            <a:srgbClr val="0000FF"/>
+          </a:solidFill>
+          <a:ln>
+            <a:solidFill>
+              <a:srgbClr val="0000FF"/>
+            </a:solidFill>
+          </a:ln>
+        </p:spPr>
+        <p:style>
+          <a:lnRef idx="2">
+            <a:schemeClr val="accent1">
+              <a:shade val="50000"/>
+            </a:schemeClr>
+          </a:lnRef>
+          <a:fillRef idx="1">
+            <a:schemeClr val="accent1"/>
+          </a:fillRef>
+          <a:effectRef idx="0">
+            <a:schemeClr val="accent1"/>
+          </a:effectRef>
+          <a:fontRef idx="minor">
+            <a:schemeClr val="lt1"/>
+          </a:fontRef>
+        </p:style>
+        <p:txBody>
+          <a:bodyPr rtlCol="0" anchor="ctr"/>
+          <a:lstStyle/>
+          <a:p>
+            <a:pPr algn="ctr"/>
+            <a:endParaRPr lang="LID4096"/>
+          </a:p>
+        </p:txBody>
+      </p:sp>
+      <p:sp>
+        <p:nvSpPr>
+          <p:cNvPr id="39" name="Oval 38">
+            <a:extLst>
+              <a:ext uri="{FF2B5EF4-FFF2-40B4-BE49-F238E27FC236}">
+                <a16:creationId xmlns:a16="http://schemas.microsoft.com/office/drawing/2014/main" id="{87240BB0-40F8-46F7-8345-F523F5601EFA}"/>
+              </a:ext>
+            </a:extLst>
+          </p:cNvPr>
+          <p:cNvSpPr/>
+          <p:nvPr/>
+        </p:nvSpPr>
+        <p:spPr>
+          <a:xfrm>
+            <a:off x="4979464" y="4278033"/>
+            <a:ext cx="108000" cy="108000"/>
+          </a:xfrm>
+          <a:prstGeom prst="ellipse">
+            <a:avLst/>
+          </a:prstGeom>
+          <a:solidFill>
+            <a:srgbClr val="0000FF"/>
+          </a:solidFill>
+          <a:ln>
+            <a:solidFill>
+              <a:srgbClr val="0000FF"/>
+            </a:solidFill>
+          </a:ln>
+        </p:spPr>
+        <p:style>
+          <a:lnRef idx="2">
+            <a:schemeClr val="accent1">
+              <a:shade val="50000"/>
+            </a:schemeClr>
+          </a:lnRef>
+          <a:fillRef idx="1">
+            <a:schemeClr val="accent1"/>
+          </a:fillRef>
+          <a:effectRef idx="0">
+            <a:schemeClr val="accent1"/>
+          </a:effectRef>
+          <a:fontRef idx="minor">
+            <a:schemeClr val="lt1"/>
+          </a:fontRef>
+        </p:style>
+        <p:txBody>
+          <a:bodyPr rtlCol="0" anchor="ctr"/>
+          <a:lstStyle/>
+          <a:p>
+            <a:pPr algn="ctr"/>
+            <a:endParaRPr lang="LID4096"/>
+          </a:p>
+        </p:txBody>
+      </p:sp>
+      <p:sp>
+        <p:nvSpPr>
+          <p:cNvPr id="40" name="Oval 39">
+            <a:extLst>
+              <a:ext uri="{FF2B5EF4-FFF2-40B4-BE49-F238E27FC236}">
+                <a16:creationId xmlns:a16="http://schemas.microsoft.com/office/drawing/2014/main" id="{77A5BF47-A4CD-402D-A305-B7B70A258360}"/>
+              </a:ext>
+            </a:extLst>
+          </p:cNvPr>
+          <p:cNvSpPr/>
+          <p:nvPr/>
+        </p:nvSpPr>
+        <p:spPr>
+          <a:xfrm>
+            <a:off x="4829543" y="4361188"/>
+            <a:ext cx="108000" cy="108000"/>
+          </a:xfrm>
+          <a:prstGeom prst="ellipse">
+            <a:avLst/>
+          </a:prstGeom>
+          <a:solidFill>
+            <a:srgbClr val="0000FF"/>
+          </a:solidFill>
+          <a:ln>
+            <a:solidFill>
+              <a:srgbClr val="0000FF"/>
+            </a:solidFill>
+          </a:ln>
+        </p:spPr>
+        <p:style>
+          <a:lnRef idx="2">
+            <a:schemeClr val="accent1">
+              <a:shade val="50000"/>
+            </a:schemeClr>
+          </a:lnRef>
+          <a:fillRef idx="1">
+            <a:schemeClr val="accent1"/>
+          </a:fillRef>
+          <a:effectRef idx="0">
+            <a:schemeClr val="accent1"/>
+          </a:effectRef>
+          <a:fontRef idx="minor">
+            <a:schemeClr val="lt1"/>
+          </a:fontRef>
+        </p:style>
+        <p:txBody>
+          <a:bodyPr rtlCol="0" anchor="ctr"/>
+          <a:lstStyle/>
+          <a:p>
+            <a:pPr algn="ctr"/>
+            <a:endParaRPr lang="LID4096"/>
+          </a:p>
+        </p:txBody>
+      </p:sp>
+      <p:sp>
+        <p:nvSpPr>
+          <p:cNvPr id="41" name="Oval 40">
+            <a:extLst>
+              <a:ext uri="{FF2B5EF4-FFF2-40B4-BE49-F238E27FC236}">
+                <a16:creationId xmlns:a16="http://schemas.microsoft.com/office/drawing/2014/main" id="{22F41E33-63B9-41C3-B47B-1B813FC75644}"/>
+              </a:ext>
+            </a:extLst>
+          </p:cNvPr>
+          <p:cNvSpPr/>
+          <p:nvPr/>
+        </p:nvSpPr>
+        <p:spPr>
+          <a:xfrm>
+            <a:off x="4793483" y="4390471"/>
+            <a:ext cx="108000" cy="108000"/>
+          </a:xfrm>
+          <a:prstGeom prst="ellipse">
+            <a:avLst/>
+          </a:prstGeom>
+          <a:solidFill>
+            <a:srgbClr val="0000FF"/>
+          </a:solidFill>
+          <a:ln>
+            <a:solidFill>
+              <a:srgbClr val="0000FF"/>
+            </a:solidFill>
+          </a:ln>
+        </p:spPr>
+        <p:style>
+          <a:lnRef idx="2">
+            <a:schemeClr val="accent1">
+              <a:shade val="50000"/>
+            </a:schemeClr>
+          </a:lnRef>
+          <a:fillRef idx="1">
+            <a:schemeClr val="accent1"/>
+          </a:fillRef>
+          <a:effectRef idx="0">
+            <a:schemeClr val="accent1"/>
+          </a:effectRef>
+          <a:fontRef idx="minor">
+            <a:schemeClr val="lt1"/>
+          </a:fontRef>
+        </p:style>
+        <p:txBody>
+          <a:bodyPr rtlCol="0" anchor="ctr"/>
+          <a:lstStyle/>
+          <a:p>
+            <a:pPr algn="ctr"/>
+            <a:endParaRPr lang="LID4096"/>
+          </a:p>
+        </p:txBody>
+      </p:sp>
+      <p:sp>
+        <p:nvSpPr>
+          <p:cNvPr id="42" name="Oval 41">
+            <a:extLst>
+              <a:ext uri="{FF2B5EF4-FFF2-40B4-BE49-F238E27FC236}">
+                <a16:creationId xmlns:a16="http://schemas.microsoft.com/office/drawing/2014/main" id="{AA82914C-829D-407B-86B2-F4204E6681B8}"/>
+              </a:ext>
+            </a:extLst>
+          </p:cNvPr>
+          <p:cNvSpPr/>
+          <p:nvPr/>
+        </p:nvSpPr>
+        <p:spPr>
+          <a:xfrm>
+            <a:off x="5073512" y="4219607"/>
+            <a:ext cx="108000" cy="108000"/>
+          </a:xfrm>
+          <a:prstGeom prst="ellipse">
+            <a:avLst/>
+          </a:prstGeom>
+          <a:solidFill>
+            <a:srgbClr val="0000FF"/>
+          </a:solidFill>
+          <a:ln>
+            <a:solidFill>
+              <a:srgbClr val="0000FF"/>
+            </a:solidFill>
+          </a:ln>
+        </p:spPr>
+        <p:style>
+          <a:lnRef idx="2">
+            <a:schemeClr val="accent1">
+              <a:shade val="50000"/>
+            </a:schemeClr>
+          </a:lnRef>
+          <a:fillRef idx="1">
+            <a:schemeClr val="accent1"/>
+          </a:fillRef>
+          <a:effectRef idx="0">
+            <a:schemeClr val="accent1"/>
+          </a:effectRef>
+          <a:fontRef idx="minor">
+            <a:schemeClr val="lt1"/>
+          </a:fontRef>
+        </p:style>
+        <p:txBody>
+          <a:bodyPr rtlCol="0" anchor="ctr"/>
+          <a:lstStyle/>
+          <a:p>
+            <a:pPr algn="ctr"/>
+            <a:endParaRPr lang="LID4096"/>
+          </a:p>
+        </p:txBody>
+      </p:sp>
+      <p:sp>
+        <p:nvSpPr>
+          <p:cNvPr id="43" name="TextBox 42">
+            <a:extLst>
+              <a:ext uri="{FF2B5EF4-FFF2-40B4-BE49-F238E27FC236}">
+                <a16:creationId xmlns:a16="http://schemas.microsoft.com/office/drawing/2014/main" id="{C30A82D9-C232-4B46-9C37-4A16988978C2}"/>
+              </a:ext>
+            </a:extLst>
+          </p:cNvPr>
+          <p:cNvSpPr txBox="1"/>
+          <p:nvPr/>
+        </p:nvSpPr>
+        <p:spPr>
+          <a:xfrm>
+            <a:off x="1257134" y="5528145"/>
+            <a:ext cx="9159747" cy="880369"/>
+          </a:xfrm>
+          <a:prstGeom prst="rect">
+            <a:avLst/>
+          </a:prstGeom>
+          <a:noFill/>
+        </p:spPr>
+        <p:txBody>
+          <a:bodyPr wrap="square" rtlCol="0">
+            <a:spAutoFit/>
+          </a:bodyPr>
+          <a:lstStyle/>
+          <a:p>
+            <a:pPr>
+              <a:lnSpc>
+                <a:spcPct val="150000"/>
+              </a:lnSpc>
+            </a:pPr>
+            <a:r>
+              <a:rPr lang="en-US" dirty="0"/>
+              <a:t>Do you think these blue points have the maximum distance (are in the dimension with the largest variability)?</a:t>
+            </a:r>
+          </a:p>
+        </p:txBody>
+      </p:sp>
+    </p:spTree>
+    <p:extLst>
+      <p:ext uri="{BB962C8B-B14F-4D97-AF65-F5344CB8AC3E}">
+        <p14:creationId xmlns:p14="http://schemas.microsoft.com/office/powerpoint/2010/main" val="4006069950"/>
+      </p:ext>
+    </p:extLst>
+  </p:cSld>
+  <p:clrMapOvr>
+    <a:masterClrMapping/>
+  </p:clrMapOvr>
+</p:sld>
+</file>
+
+<file path=ppt/slides/slide9.xml><?xml version="1.0" encoding="utf-8"?>
+<p:sld xmlns:a="http://schemas.openxmlformats.org/drawingml/2006/main" xmlns:r="http://schemas.openxmlformats.org/officeDocument/2006/relationships" xmlns:p="http://schemas.openxmlformats.org/presentationml/2006/main">
+  <p:cSld>
+    <p:spTree>
+      <p:nvGrpSpPr>
+        <p:cNvPr id="1" name=""/>
+        <p:cNvGrpSpPr/>
+        <p:nvPr/>
+      </p:nvGrpSpPr>
+      <p:grpSpPr>
+        <a:xfrm>
+          <a:off x="0" y="0"/>
+          <a:ext cx="0" cy="0"/>
+          <a:chOff x="0" y="0"/>
+          <a:chExt cx="0" cy="0"/>
+        </a:xfrm>
+      </p:grpSpPr>
+      <p:sp>
+        <p:nvSpPr>
+          <p:cNvPr id="2" name="TextBox 1">
+            <a:extLst>
+              <a:ext uri="{FF2B5EF4-FFF2-40B4-BE49-F238E27FC236}">
+                <a16:creationId xmlns:a16="http://schemas.microsoft.com/office/drawing/2014/main" id="{738ACA54-D23B-4CA2-8237-C72A23268198}"/>
+              </a:ext>
+            </a:extLst>
+          </p:cNvPr>
+          <p:cNvSpPr txBox="1"/>
+          <p:nvPr/>
+        </p:nvSpPr>
+        <p:spPr>
+          <a:xfrm>
+            <a:off x="1304005" y="897000"/>
+            <a:ext cx="9159747" cy="1711366"/>
+          </a:xfrm>
+          <a:prstGeom prst="rect">
+            <a:avLst/>
+          </a:prstGeom>
+          <a:noFill/>
+        </p:spPr>
+        <p:txBody>
+          <a:bodyPr wrap="square" rtlCol="0">
+            <a:spAutoFit/>
+          </a:bodyPr>
+          <a:lstStyle/>
+          <a:p>
+            <a:pPr>
+              <a:lnSpc>
+                <a:spcPct val="150000"/>
+              </a:lnSpc>
+            </a:pPr>
+            <a:r>
+              <a:rPr lang="en-US" dirty="0"/>
+              <a:t>When we have the dimension with largest variance, the points shouldn’t look this close to each other. They must be spread widely.</a:t>
+            </a:r>
+          </a:p>
+          <a:p>
+            <a:pPr>
+              <a:lnSpc>
+                <a:spcPct val="150000"/>
+              </a:lnSpc>
+            </a:pPr>
+            <a:r>
+              <a:rPr lang="en-US" dirty="0"/>
+              <a:t>To find the line that gives us the best direction, we can calculate the distance of each datapoint to the line (residuals), and try to minimize it.</a:t>
+            </a:r>
+          </a:p>
+        </p:txBody>
+      </p:sp>
+    </p:spTree>
+    <p:extLst>
+      <p:ext uri="{BB962C8B-B14F-4D97-AF65-F5344CB8AC3E}">
+        <p14:creationId xmlns:p14="http://schemas.microsoft.com/office/powerpoint/2010/main" val="793927676"/>
       </p:ext>
     </p:extLst>
   </p:cSld>
